--- a/랜덤 카드 게임.pptx
+++ b/랜덤 카드 게임.pptx
@@ -11,42 +11,43 @@
     <p:sldId id="261" r:id="rId5"/>
     <p:sldId id="290" r:id="rId6"/>
     <p:sldId id="303" r:id="rId7"/>
-    <p:sldId id="270" r:id="rId8"/>
-    <p:sldId id="262" r:id="rId9"/>
-    <p:sldId id="265" r:id="rId10"/>
-    <p:sldId id="258" r:id="rId11"/>
-    <p:sldId id="268" r:id="rId12"/>
-    <p:sldId id="263" r:id="rId13"/>
-    <p:sldId id="269" r:id="rId14"/>
-    <p:sldId id="304" r:id="rId15"/>
-    <p:sldId id="271" r:id="rId16"/>
-    <p:sldId id="272" r:id="rId17"/>
-    <p:sldId id="273" r:id="rId18"/>
-    <p:sldId id="274" r:id="rId19"/>
-    <p:sldId id="276" r:id="rId20"/>
-    <p:sldId id="277" r:id="rId21"/>
-    <p:sldId id="279" r:id="rId22"/>
-    <p:sldId id="305" r:id="rId23"/>
-    <p:sldId id="281" r:id="rId24"/>
-    <p:sldId id="291" r:id="rId25"/>
-    <p:sldId id="283" r:id="rId26"/>
-    <p:sldId id="286" r:id="rId27"/>
-    <p:sldId id="284" r:id="rId28"/>
-    <p:sldId id="287" r:id="rId29"/>
-    <p:sldId id="285" r:id="rId30"/>
-    <p:sldId id="288" r:id="rId31"/>
-    <p:sldId id="309" r:id="rId32"/>
-    <p:sldId id="292" r:id="rId33"/>
-    <p:sldId id="294" r:id="rId34"/>
-    <p:sldId id="297" r:id="rId35"/>
-    <p:sldId id="295" r:id="rId36"/>
-    <p:sldId id="298" r:id="rId37"/>
-    <p:sldId id="296" r:id="rId38"/>
-    <p:sldId id="299" r:id="rId39"/>
-    <p:sldId id="307" r:id="rId40"/>
-    <p:sldId id="302" r:id="rId41"/>
-    <p:sldId id="310" r:id="rId42"/>
-    <p:sldId id="306" r:id="rId43"/>
+    <p:sldId id="311" r:id="rId8"/>
+    <p:sldId id="270" r:id="rId9"/>
+    <p:sldId id="262" r:id="rId10"/>
+    <p:sldId id="265" r:id="rId11"/>
+    <p:sldId id="258" r:id="rId12"/>
+    <p:sldId id="268" r:id="rId13"/>
+    <p:sldId id="263" r:id="rId14"/>
+    <p:sldId id="269" r:id="rId15"/>
+    <p:sldId id="304" r:id="rId16"/>
+    <p:sldId id="271" r:id="rId17"/>
+    <p:sldId id="272" r:id="rId18"/>
+    <p:sldId id="273" r:id="rId19"/>
+    <p:sldId id="274" r:id="rId20"/>
+    <p:sldId id="276" r:id="rId21"/>
+    <p:sldId id="277" r:id="rId22"/>
+    <p:sldId id="279" r:id="rId23"/>
+    <p:sldId id="305" r:id="rId24"/>
+    <p:sldId id="281" r:id="rId25"/>
+    <p:sldId id="291" r:id="rId26"/>
+    <p:sldId id="283" r:id="rId27"/>
+    <p:sldId id="286" r:id="rId28"/>
+    <p:sldId id="284" r:id="rId29"/>
+    <p:sldId id="287" r:id="rId30"/>
+    <p:sldId id="285" r:id="rId31"/>
+    <p:sldId id="288" r:id="rId32"/>
+    <p:sldId id="309" r:id="rId33"/>
+    <p:sldId id="292" r:id="rId34"/>
+    <p:sldId id="294" r:id="rId35"/>
+    <p:sldId id="297" r:id="rId36"/>
+    <p:sldId id="295" r:id="rId37"/>
+    <p:sldId id="298" r:id="rId38"/>
+    <p:sldId id="296" r:id="rId39"/>
+    <p:sldId id="299" r:id="rId40"/>
+    <p:sldId id="307" r:id="rId41"/>
+    <p:sldId id="302" r:id="rId42"/>
+    <p:sldId id="310" r:id="rId43"/>
+    <p:sldId id="306" r:id="rId44"/>
   </p:sldIdLst>
   <p:sldSz cx="12192000" cy="6858000"/>
   <p:notesSz cx="6858000" cy="9144000"/>
@@ -3126,6 +3127,432 @@
           <a:chExt cx="0" cy="0"/>
         </a:xfrm>
       </p:grpSpPr>
+      <p:grpSp>
+        <p:nvGrpSpPr>
+          <p:cNvPr id="6" name="그룹 5"/>
+          <p:cNvGrpSpPr/>
+          <p:nvPr/>
+        </p:nvGrpSpPr>
+        <p:grpSpPr>
+          <a:xfrm>
+            <a:off x="2036124" y="1490618"/>
+            <a:ext cx="8119753" cy="3876765"/>
+            <a:chOff x="2036124" y="1227069"/>
+            <a:chExt cx="8119753" cy="3876765"/>
+          </a:xfrm>
+        </p:grpSpPr>
+        <p:sp>
+          <p:nvSpPr>
+            <p:cNvPr id="4" name="직사각형 3"/>
+            <p:cNvSpPr/>
+            <p:nvPr/>
+          </p:nvSpPr>
+          <p:spPr>
+            <a:xfrm>
+              <a:off x="2036124" y="1227069"/>
+              <a:ext cx="2372096" cy="3862676"/>
+            </a:xfrm>
+            <a:prstGeom prst="rect">
+              <a:avLst/>
+            </a:prstGeom>
+            <a:noFill/>
+            <a:ln w="38100">
+              <a:solidFill>
+                <a:schemeClr val="tx1"/>
+              </a:solidFill>
+            </a:ln>
+          </p:spPr>
+          <p:style>
+            <a:lnRef idx="2">
+              <a:schemeClr val="accent1">
+                <a:shade val="50000"/>
+              </a:schemeClr>
+            </a:lnRef>
+            <a:fillRef idx="1">
+              <a:schemeClr val="accent1"/>
+            </a:fillRef>
+            <a:effectRef idx="0">
+              <a:schemeClr val="accent1"/>
+            </a:effectRef>
+            <a:fontRef idx="minor">
+              <a:schemeClr val="lt1"/>
+            </a:fontRef>
+          </p:style>
+          <p:txBody>
+            <a:bodyPr rtlCol="0" anchor="ctr"/>
+            <a:lstStyle/>
+            <a:p>
+              <a:pPr algn="ctr"/>
+              <a:endParaRPr lang="ko-KR" altLang="en-US"/>
+            </a:p>
+          </p:txBody>
+        </p:sp>
+        <p:sp>
+          <p:nvSpPr>
+            <p:cNvPr id="5" name="직사각형 4"/>
+            <p:cNvSpPr/>
+            <p:nvPr/>
+          </p:nvSpPr>
+          <p:spPr>
+            <a:xfrm>
+              <a:off x="7783781" y="1241158"/>
+              <a:ext cx="2372096" cy="3862676"/>
+            </a:xfrm>
+            <a:prstGeom prst="rect">
+              <a:avLst/>
+            </a:prstGeom>
+            <a:noFill/>
+            <a:ln w="38100">
+              <a:solidFill>
+                <a:schemeClr val="tx1"/>
+              </a:solidFill>
+            </a:ln>
+          </p:spPr>
+          <p:style>
+            <a:lnRef idx="2">
+              <a:schemeClr val="accent1">
+                <a:shade val="50000"/>
+              </a:schemeClr>
+            </a:lnRef>
+            <a:fillRef idx="1">
+              <a:schemeClr val="accent1"/>
+            </a:fillRef>
+            <a:effectRef idx="0">
+              <a:schemeClr val="accent1"/>
+            </a:effectRef>
+            <a:fontRef idx="minor">
+              <a:schemeClr val="lt1"/>
+            </a:fontRef>
+          </p:style>
+          <p:txBody>
+            <a:bodyPr rtlCol="0" anchor="ctr"/>
+            <a:lstStyle/>
+            <a:p>
+              <a:pPr algn="ctr"/>
+              <a:endParaRPr lang="ko-KR" altLang="en-US"/>
+            </a:p>
+          </p:txBody>
+        </p:sp>
+      </p:grpSp>
+      <p:sp>
+        <p:nvSpPr>
+          <p:cNvPr id="7" name="TextBox 6"/>
+          <p:cNvSpPr txBox="1"/>
+          <p:nvPr/>
+        </p:nvSpPr>
+        <p:spPr>
+          <a:xfrm>
+            <a:off x="361961" y="5698835"/>
+            <a:ext cx="5720422" cy="400110"/>
+          </a:xfrm>
+          <a:prstGeom prst="rect">
+            <a:avLst/>
+          </a:prstGeom>
+          <a:noFill/>
+        </p:spPr>
+        <p:txBody>
+          <a:bodyPr wrap="square" rtlCol="0">
+            <a:spAutoFit/>
+          </a:bodyPr>
+          <a:lstStyle/>
+          <a:p>
+            <a:pPr algn="ctr"/>
+            <a:r>
+              <a:rPr lang="ko-KR" altLang="en-US" sz="2000" b="1" dirty="0" smtClean="0">
+                <a:effectLst>
+                  <a:outerShdw blurRad="38100" dist="38100" dir="2700000" algn="tl">
+                    <a:srgbClr val="000000">
+                      <a:alpha val="43137"/>
+                    </a:srgbClr>
+                  </a:outerShdw>
+                </a:effectLst>
+                <a:latin typeface="Adobe 고딕 Std B" panose="020B0800000000000000" pitchFamily="34" charset="-127"/>
+                <a:ea typeface="Adobe 고딕 Std B" panose="020B0800000000000000" pitchFamily="34" charset="-127"/>
+              </a:rPr>
+              <a:t>첫 번째 플레이어가 뽑은 카드를 보관할 공간</a:t>
+            </a:r>
+            <a:endParaRPr lang="en-US" altLang="ko-KR" sz="2000" b="1" dirty="0" smtClean="0">
+              <a:effectLst>
+                <a:outerShdw blurRad="38100" dist="38100" dir="2700000" algn="tl">
+                  <a:srgbClr val="000000">
+                    <a:alpha val="43137"/>
+                  </a:srgbClr>
+                </a:outerShdw>
+              </a:effectLst>
+              <a:latin typeface="Adobe 고딕 Std B" panose="020B0800000000000000" pitchFamily="34" charset="-127"/>
+              <a:ea typeface="Adobe 고딕 Std B" panose="020B0800000000000000" pitchFamily="34" charset="-127"/>
+            </a:endParaRPr>
+          </a:p>
+        </p:txBody>
+      </p:sp>
+      <p:sp>
+        <p:nvSpPr>
+          <p:cNvPr id="8" name="TextBox 7"/>
+          <p:cNvSpPr txBox="1"/>
+          <p:nvPr/>
+        </p:nvSpPr>
+        <p:spPr>
+          <a:xfrm>
+            <a:off x="6109618" y="5698835"/>
+            <a:ext cx="5720422" cy="400110"/>
+          </a:xfrm>
+          <a:prstGeom prst="rect">
+            <a:avLst/>
+          </a:prstGeom>
+          <a:noFill/>
+        </p:spPr>
+        <p:txBody>
+          <a:bodyPr wrap="square" rtlCol="0">
+            <a:spAutoFit/>
+          </a:bodyPr>
+          <a:lstStyle/>
+          <a:p>
+            <a:pPr algn="ctr"/>
+            <a:r>
+              <a:rPr lang="ko-KR" altLang="en-US" sz="2000" b="1" dirty="0">
+                <a:effectLst>
+                  <a:outerShdw blurRad="38100" dist="38100" dir="2700000" algn="tl">
+                    <a:srgbClr val="000000">
+                      <a:alpha val="43137"/>
+                    </a:srgbClr>
+                  </a:outerShdw>
+                </a:effectLst>
+                <a:latin typeface="Adobe 고딕 Std B" panose="020B0800000000000000" pitchFamily="34" charset="-127"/>
+                <a:ea typeface="Adobe 고딕 Std B" panose="020B0800000000000000" pitchFamily="34" charset="-127"/>
+              </a:rPr>
+              <a:t>두</a:t>
+            </a:r>
+            <a:r>
+              <a:rPr lang="ko-KR" altLang="en-US" sz="2000" b="1" dirty="0" smtClean="0">
+                <a:effectLst>
+                  <a:outerShdw blurRad="38100" dist="38100" dir="2700000" algn="tl">
+                    <a:srgbClr val="000000">
+                      <a:alpha val="43137"/>
+                    </a:srgbClr>
+                  </a:outerShdw>
+                </a:effectLst>
+                <a:latin typeface="Adobe 고딕 Std B" panose="020B0800000000000000" pitchFamily="34" charset="-127"/>
+                <a:ea typeface="Adobe 고딕 Std B" panose="020B0800000000000000" pitchFamily="34" charset="-127"/>
+              </a:rPr>
+              <a:t> 번째 플레이어가 뽑은 카드를 보관할 공간</a:t>
+            </a:r>
+            <a:endParaRPr lang="en-US" altLang="ko-KR" sz="2000" b="1" dirty="0" smtClean="0">
+              <a:effectLst>
+                <a:outerShdw blurRad="38100" dist="38100" dir="2700000" algn="tl">
+                  <a:srgbClr val="000000">
+                    <a:alpha val="43137"/>
+                  </a:srgbClr>
+                </a:outerShdw>
+              </a:effectLst>
+              <a:latin typeface="Adobe 고딕 Std B" panose="020B0800000000000000" pitchFamily="34" charset="-127"/>
+              <a:ea typeface="Adobe 고딕 Std B" panose="020B0800000000000000" pitchFamily="34" charset="-127"/>
+            </a:endParaRPr>
+          </a:p>
+        </p:txBody>
+      </p:sp>
+      <p:pic>
+        <p:nvPicPr>
+          <p:cNvPr id="9" name="Picture 4" descr="재생 카드 뒷면 62x90 Mm 로열티 무료 사진, 그림, 이미지 그리고 스톡포토그래피. Image 9317966"/>
+          <p:cNvPicPr>
+            <a:picLocks noChangeAspect="1" noChangeArrowheads="1"/>
+          </p:cNvPicPr>
+          <p:nvPr/>
+        </p:nvPicPr>
+        <p:blipFill>
+          <a:blip r:embed="rId2" cstate="print">
+            <a:extLst>
+              <a:ext uri="{28A0092B-C50C-407E-A947-70E740481C1C}">
+                <a14:useLocalDpi xmlns:a14="http://schemas.microsoft.com/office/drawing/2010/main" val="0"/>
+              </a:ext>
+            </a:extLst>
+          </a:blip>
+          <a:srcRect/>
+          <a:stretch>
+            <a:fillRect/>
+          </a:stretch>
+        </p:blipFill>
+        <p:spPr bwMode="auto">
+          <a:xfrm>
+            <a:off x="2036124" y="1490618"/>
+            <a:ext cx="2372096" cy="3862676"/>
+          </a:xfrm>
+          <a:prstGeom prst="rect">
+            <a:avLst/>
+          </a:prstGeom>
+          <a:noFill/>
+          <a:extLst>
+            <a:ext uri="{909E8E84-426E-40DD-AFC4-6F175D3DCCD1}">
+              <a14:hiddenFill xmlns:a14="http://schemas.microsoft.com/office/drawing/2010/main">
+                <a:solidFill>
+                  <a:srgbClr val="FFFFFF"/>
+                </a:solidFill>
+              </a14:hiddenFill>
+            </a:ext>
+          </a:extLst>
+        </p:spPr>
+      </p:pic>
+    </p:spTree>
+    <p:extLst>
+      <p:ext uri="{BB962C8B-B14F-4D97-AF65-F5344CB8AC3E}">
+        <p14:creationId xmlns:p14="http://schemas.microsoft.com/office/powerpoint/2010/main" val="4050016388"/>
+      </p:ext>
+    </p:extLst>
+  </p:cSld>
+  <p:clrMapOvr>
+    <a:masterClrMapping/>
+  </p:clrMapOvr>
+  <p:timing>
+    <p:tnLst>
+      <p:par>
+        <p:cTn id="1" dur="indefinite" restart="never" nodeType="tmRoot">
+          <p:childTnLst>
+            <p:seq concurrent="1" nextAc="seek">
+              <p:cTn id="2" dur="indefinite" nodeType="mainSeq">
+                <p:childTnLst>
+                  <p:par>
+                    <p:cTn id="3" fill="hold">
+                      <p:stCondLst>
+                        <p:cond delay="indefinite"/>
+                        <p:cond evt="onBegin" delay="0">
+                          <p:tn val="2"/>
+                        </p:cond>
+                      </p:stCondLst>
+                      <p:childTnLst>
+                        <p:par>
+                          <p:cTn id="4" fill="hold">
+                            <p:stCondLst>
+                              <p:cond delay="0"/>
+                            </p:stCondLst>
+                            <p:childTnLst>
+                              <p:par>
+                                <p:cTn id="5" presetID="42" presetClass="entr" presetSubtype="0" fill="hold" nodeType="afterEffect">
+                                  <p:stCondLst>
+                                    <p:cond delay="0"/>
+                                  </p:stCondLst>
+                                  <p:childTnLst>
+                                    <p:set>
+                                      <p:cBhvr>
+                                        <p:cTn id="6" dur="1" fill="hold">
+                                          <p:stCondLst>
+                                            <p:cond delay="0"/>
+                                          </p:stCondLst>
+                                        </p:cTn>
+                                        <p:tgtEl>
+                                          <p:spTgt spid="9"/>
+                                        </p:tgtEl>
+                                        <p:attrNameLst>
+                                          <p:attrName>style.visibility</p:attrName>
+                                        </p:attrNameLst>
+                                      </p:cBhvr>
+                                      <p:to>
+                                        <p:strVal val="visible"/>
+                                      </p:to>
+                                    </p:set>
+                                    <p:animEffect transition="in" filter="fade">
+                                      <p:cBhvr>
+                                        <p:cTn id="7" dur="1000"/>
+                                        <p:tgtEl>
+                                          <p:spTgt spid="9"/>
+                                        </p:tgtEl>
+                                      </p:cBhvr>
+                                    </p:animEffect>
+                                    <p:anim calcmode="lin" valueType="num">
+                                      <p:cBhvr>
+                                        <p:cTn id="8" dur="1000" fill="hold"/>
+                                        <p:tgtEl>
+                                          <p:spTgt spid="9"/>
+                                        </p:tgtEl>
+                                        <p:attrNameLst>
+                                          <p:attrName>ppt_x</p:attrName>
+                                        </p:attrNameLst>
+                                      </p:cBhvr>
+                                      <p:tavLst>
+                                        <p:tav tm="0">
+                                          <p:val>
+                                            <p:strVal val="#ppt_x"/>
+                                          </p:val>
+                                        </p:tav>
+                                        <p:tav tm="100000">
+                                          <p:val>
+                                            <p:strVal val="#ppt_x"/>
+                                          </p:val>
+                                        </p:tav>
+                                      </p:tavLst>
+                                    </p:anim>
+                                    <p:anim calcmode="lin" valueType="num">
+                                      <p:cBhvr>
+                                        <p:cTn id="9" dur="1000" fill="hold"/>
+                                        <p:tgtEl>
+                                          <p:spTgt spid="9"/>
+                                        </p:tgtEl>
+                                        <p:attrNameLst>
+                                          <p:attrName>ppt_y</p:attrName>
+                                        </p:attrNameLst>
+                                      </p:cBhvr>
+                                      <p:tavLst>
+                                        <p:tav tm="0">
+                                          <p:val>
+                                            <p:strVal val="#ppt_y+.1"/>
+                                          </p:val>
+                                        </p:tav>
+                                        <p:tav tm="100000">
+                                          <p:val>
+                                            <p:strVal val="#ppt_y"/>
+                                          </p:val>
+                                        </p:tav>
+                                      </p:tavLst>
+                                    </p:anim>
+                                  </p:childTnLst>
+                                </p:cTn>
+                              </p:par>
+                            </p:childTnLst>
+                          </p:cTn>
+                        </p:par>
+                      </p:childTnLst>
+                    </p:cTn>
+                  </p:par>
+                </p:childTnLst>
+              </p:cTn>
+              <p:prevCondLst>
+                <p:cond evt="onPrev" delay="0">
+                  <p:tgtEl>
+                    <p:sldTgt/>
+                  </p:tgtEl>
+                </p:cond>
+              </p:prevCondLst>
+              <p:nextCondLst>
+                <p:cond evt="onNext" delay="0">
+                  <p:tgtEl>
+                    <p:sldTgt/>
+                  </p:tgtEl>
+                </p:cond>
+              </p:nextCondLst>
+            </p:seq>
+          </p:childTnLst>
+        </p:cTn>
+      </p:par>
+    </p:tnLst>
+  </p:timing>
+</p:sld>
+</file>
+
+<file path=ppt/slides/slide11.xml><?xml version="1.0" encoding="utf-8"?>
+<p:sld xmlns:a="http://schemas.openxmlformats.org/drawingml/2006/main" xmlns:r="http://schemas.openxmlformats.org/officeDocument/2006/relationships" xmlns:p="http://schemas.openxmlformats.org/presentationml/2006/main">
+  <p:cSld>
+    <p:spTree>
+      <p:nvGrpSpPr>
+        <p:cNvPr id="1" name=""/>
+        <p:cNvGrpSpPr/>
+        <p:nvPr/>
+      </p:nvGrpSpPr>
+      <p:grpSpPr>
+        <a:xfrm>
+          <a:off x="0" y="0"/>
+          <a:ext cx="0" cy="0"/>
+          <a:chOff x="0" y="0"/>
+          <a:chExt cx="0" cy="0"/>
+        </a:xfrm>
+      </p:grpSpPr>
       <p:sp>
         <p:nvSpPr>
           <p:cNvPr id="2" name="직사각형 1"/>
@@ -3845,85 +4272,6 @@
       </p:sp>
       <p:sp>
         <p:nvSpPr>
-          <p:cNvPr id="16" name="TextBox 15"/>
-          <p:cNvSpPr txBox="1"/>
-          <p:nvPr/>
-        </p:nvSpPr>
-        <p:spPr>
-          <a:xfrm>
-            <a:off x="721659" y="5763127"/>
-            <a:ext cx="10047472" cy="584775"/>
-          </a:xfrm>
-          <a:prstGeom prst="rect">
-            <a:avLst/>
-          </a:prstGeom>
-          <a:noFill/>
-        </p:spPr>
-        <p:txBody>
-          <a:bodyPr wrap="square" rtlCol="0">
-            <a:spAutoFit/>
-          </a:bodyPr>
-          <a:lstStyle/>
-          <a:p>
-            <a:pPr algn="ctr"/>
-            <a:r>
-              <a:rPr lang="en-US" altLang="ko-KR" sz="3200" b="1" dirty="0" smtClean="0">
-                <a:effectLst>
-                  <a:outerShdw blurRad="38100" dist="38100" dir="2700000" algn="tl">
-                    <a:srgbClr val="000000">
-                      <a:alpha val="43137"/>
-                    </a:srgbClr>
-                  </a:outerShdw>
-                </a:effectLst>
-                <a:latin typeface="HY헤드라인M" panose="02030600000101010101" pitchFamily="18" charset="-127"/>
-                <a:ea typeface="HY헤드라인M" panose="02030600000101010101" pitchFamily="18" charset="-127"/>
-              </a:rPr>
-              <a:t>10</a:t>
-            </a:r>
-            <a:r>
-              <a:rPr lang="ko-KR" altLang="en-US" sz="3200" b="1" dirty="0" smtClean="0">
-                <a:effectLst>
-                  <a:outerShdw blurRad="38100" dist="38100" dir="2700000" algn="tl">
-                    <a:srgbClr val="000000">
-                      <a:alpha val="43137"/>
-                    </a:srgbClr>
-                  </a:outerShdw>
-                </a:effectLst>
-                <a:latin typeface="HY헤드라인M" panose="02030600000101010101" pitchFamily="18" charset="-127"/>
-                <a:ea typeface="HY헤드라인M" panose="02030600000101010101" pitchFamily="18" charset="-127"/>
-              </a:rPr>
-              <a:t>개의 숫자 중 뽑을 숫자를 선택해주세요</a:t>
-            </a:r>
-            <a:r>
-              <a:rPr lang="en-US" altLang="ko-KR" sz="3200" b="1" dirty="0" smtClean="0">
-                <a:effectLst>
-                  <a:outerShdw blurRad="38100" dist="38100" dir="2700000" algn="tl">
-                    <a:srgbClr val="000000">
-                      <a:alpha val="43137"/>
-                    </a:srgbClr>
-                  </a:outerShdw>
-                </a:effectLst>
-                <a:latin typeface="HY헤드라인M" panose="02030600000101010101" pitchFamily="18" charset="-127"/>
-                <a:ea typeface="HY헤드라인M" panose="02030600000101010101" pitchFamily="18" charset="-127"/>
-              </a:rPr>
-              <a:t> :</a:t>
-            </a:r>
-            <a:endParaRPr lang="ko-KR" altLang="en-US" sz="3200" b="1" dirty="0">
-              <a:effectLst>
-                <a:outerShdw blurRad="38100" dist="38100" dir="2700000" algn="tl">
-                  <a:srgbClr val="000000">
-                    <a:alpha val="43137"/>
-                  </a:srgbClr>
-                </a:outerShdw>
-              </a:effectLst>
-              <a:latin typeface="HY헤드라인M" panose="02030600000101010101" pitchFamily="18" charset="-127"/>
-              <a:ea typeface="HY헤드라인M" panose="02030600000101010101" pitchFamily="18" charset="-127"/>
-            </a:endParaRPr>
-          </a:p>
-        </p:txBody>
-      </p:sp>
-      <p:sp>
-        <p:nvSpPr>
           <p:cNvPr id="78" name="TextBox 77"/>
           <p:cNvSpPr txBox="1"/>
           <p:nvPr/>
@@ -4465,6 +4813,85 @@
           </a:extLst>
         </p:spPr>
       </p:pic>
+      <p:sp>
+        <p:nvSpPr>
+          <p:cNvPr id="29" name="TextBox 28"/>
+          <p:cNvSpPr txBox="1"/>
+          <p:nvPr/>
+        </p:nvSpPr>
+        <p:spPr>
+          <a:xfrm>
+            <a:off x="721659" y="5763127"/>
+            <a:ext cx="10047472" cy="584775"/>
+          </a:xfrm>
+          <a:prstGeom prst="rect">
+            <a:avLst/>
+          </a:prstGeom>
+          <a:noFill/>
+        </p:spPr>
+        <p:txBody>
+          <a:bodyPr wrap="square" rtlCol="0">
+            <a:spAutoFit/>
+          </a:bodyPr>
+          <a:lstStyle/>
+          <a:p>
+            <a:pPr algn="ctr"/>
+            <a:r>
+              <a:rPr lang="en-US" altLang="ko-KR" sz="3200" b="1" dirty="0" smtClean="0">
+                <a:effectLst>
+                  <a:outerShdw blurRad="38100" dist="38100" dir="2700000" algn="tl">
+                    <a:srgbClr val="000000">
+                      <a:alpha val="43137"/>
+                    </a:srgbClr>
+                  </a:outerShdw>
+                </a:effectLst>
+                <a:latin typeface="Adobe 고딕 Std B" panose="020B0800000000000000" pitchFamily="34" charset="-127"/>
+                <a:ea typeface="Adobe 고딕 Std B" panose="020B0800000000000000" pitchFamily="34" charset="-127"/>
+              </a:rPr>
+              <a:t>10</a:t>
+            </a:r>
+            <a:r>
+              <a:rPr lang="ko-KR" altLang="en-US" sz="3200" b="1" dirty="0" smtClean="0">
+                <a:effectLst>
+                  <a:outerShdw blurRad="38100" dist="38100" dir="2700000" algn="tl">
+                    <a:srgbClr val="000000">
+                      <a:alpha val="43137"/>
+                    </a:srgbClr>
+                  </a:outerShdw>
+                </a:effectLst>
+                <a:latin typeface="Adobe 고딕 Std B" panose="020B0800000000000000" pitchFamily="34" charset="-127"/>
+                <a:ea typeface="Adobe 고딕 Std B" panose="020B0800000000000000" pitchFamily="34" charset="-127"/>
+              </a:rPr>
+              <a:t>개의 숫자 중 뽑을 숫자를 선택해주세요</a:t>
+            </a:r>
+            <a:r>
+              <a:rPr lang="en-US" altLang="ko-KR" sz="3200" b="1" dirty="0" smtClean="0">
+                <a:effectLst>
+                  <a:outerShdw blurRad="38100" dist="38100" dir="2700000" algn="tl">
+                    <a:srgbClr val="000000">
+                      <a:alpha val="43137"/>
+                    </a:srgbClr>
+                  </a:outerShdw>
+                </a:effectLst>
+                <a:latin typeface="Adobe 고딕 Std B" panose="020B0800000000000000" pitchFamily="34" charset="-127"/>
+                <a:ea typeface="Adobe 고딕 Std B" panose="020B0800000000000000" pitchFamily="34" charset="-127"/>
+              </a:rPr>
+              <a:t> :</a:t>
+            </a:r>
+            <a:endParaRPr lang="ko-KR" altLang="en-US" sz="3200" b="1" dirty="0">
+              <a:effectLst>
+                <a:outerShdw blurRad="38100" dist="38100" dir="2700000" algn="tl">
+                  <a:srgbClr val="000000">
+                    <a:alpha val="43137"/>
+                  </a:srgbClr>
+                </a:outerShdw>
+              </a:effectLst>
+              <a:latin typeface="Adobe 고딕 Std B" panose="020B0800000000000000" pitchFamily="34" charset="-127"/>
+              <a:ea typeface="Adobe 고딕 Std B" panose="020B0800000000000000" pitchFamily="34" charset="-127"/>
+            </a:endParaRPr>
+          </a:p>
+        </p:txBody>
+      </p:sp>
     </p:spTree>
     <p:extLst>
       <p:ext uri="{BB962C8B-B14F-4D97-AF65-F5344CB8AC3E}">
@@ -4666,7 +5093,7 @@
 </p:sld>
 </file>
 
-<file path=ppt/slides/slide11.xml><?xml version="1.0" encoding="utf-8"?>
+<file path=ppt/slides/slide12.xml><?xml version="1.0" encoding="utf-8"?>
 <p:sld xmlns:a="http://schemas.openxmlformats.org/drawingml/2006/main" xmlns:r="http://schemas.openxmlformats.org/officeDocument/2006/relationships" xmlns:p="http://schemas.openxmlformats.org/presentationml/2006/main">
   <p:cSld>
     <p:spTree>
@@ -5133,7 +5560,7 @@
 </p:sld>
 </file>
 
-<file path=ppt/slides/slide12.xml><?xml version="1.0" encoding="utf-8"?>
+<file path=ppt/slides/slide13.xml><?xml version="1.0" encoding="utf-8"?>
 <p:sld xmlns:a="http://schemas.openxmlformats.org/drawingml/2006/main" xmlns:r="http://schemas.openxmlformats.org/officeDocument/2006/relationships" xmlns:p="http://schemas.openxmlformats.org/presentationml/2006/main">
   <p:cSld>
     <p:spTree>
@@ -5809,85 +6236,6 @@
       </p:sp>
       <p:sp>
         <p:nvSpPr>
-          <p:cNvPr id="16" name="TextBox 15"/>
-          <p:cNvSpPr txBox="1"/>
-          <p:nvPr/>
-        </p:nvSpPr>
-        <p:spPr>
-          <a:xfrm>
-            <a:off x="721659" y="5763127"/>
-            <a:ext cx="10047472" cy="584775"/>
-          </a:xfrm>
-          <a:prstGeom prst="rect">
-            <a:avLst/>
-          </a:prstGeom>
-          <a:noFill/>
-        </p:spPr>
-        <p:txBody>
-          <a:bodyPr wrap="square" rtlCol="0">
-            <a:spAutoFit/>
-          </a:bodyPr>
-          <a:lstStyle/>
-          <a:p>
-            <a:pPr algn="ctr"/>
-            <a:r>
-              <a:rPr lang="en-US" altLang="ko-KR" sz="3200" b="1" dirty="0" smtClean="0">
-                <a:effectLst>
-                  <a:outerShdw blurRad="38100" dist="38100" dir="2700000" algn="tl">
-                    <a:srgbClr val="000000">
-                      <a:alpha val="43137"/>
-                    </a:srgbClr>
-                  </a:outerShdw>
-                </a:effectLst>
-                <a:latin typeface="HY헤드라인M" panose="02030600000101010101" pitchFamily="18" charset="-127"/>
-                <a:ea typeface="HY헤드라인M" panose="02030600000101010101" pitchFamily="18" charset="-127"/>
-              </a:rPr>
-              <a:t>10</a:t>
-            </a:r>
-            <a:r>
-              <a:rPr lang="ko-KR" altLang="en-US" sz="3200" b="1" dirty="0" smtClean="0">
-                <a:effectLst>
-                  <a:outerShdw blurRad="38100" dist="38100" dir="2700000" algn="tl">
-                    <a:srgbClr val="000000">
-                      <a:alpha val="43137"/>
-                    </a:srgbClr>
-                  </a:outerShdw>
-                </a:effectLst>
-                <a:latin typeface="HY헤드라인M" panose="02030600000101010101" pitchFamily="18" charset="-127"/>
-                <a:ea typeface="HY헤드라인M" panose="02030600000101010101" pitchFamily="18" charset="-127"/>
-              </a:rPr>
-              <a:t>개의 숫자 중 뽑을 숫자를 선택해주세요</a:t>
-            </a:r>
-            <a:r>
-              <a:rPr lang="en-US" altLang="ko-KR" sz="3200" b="1" dirty="0" smtClean="0">
-                <a:effectLst>
-                  <a:outerShdw blurRad="38100" dist="38100" dir="2700000" algn="tl">
-                    <a:srgbClr val="000000">
-                      <a:alpha val="43137"/>
-                    </a:srgbClr>
-                  </a:outerShdw>
-                </a:effectLst>
-                <a:latin typeface="HY헤드라인M" panose="02030600000101010101" pitchFamily="18" charset="-127"/>
-                <a:ea typeface="HY헤드라인M" panose="02030600000101010101" pitchFamily="18" charset="-127"/>
-              </a:rPr>
-              <a:t> :</a:t>
-            </a:r>
-            <a:endParaRPr lang="ko-KR" altLang="en-US" sz="3200" b="1" dirty="0">
-              <a:effectLst>
-                <a:outerShdw blurRad="38100" dist="38100" dir="2700000" algn="tl">
-                  <a:srgbClr val="000000">
-                    <a:alpha val="43137"/>
-                  </a:srgbClr>
-                </a:outerShdw>
-              </a:effectLst>
-              <a:latin typeface="HY헤드라인M" panose="02030600000101010101" pitchFamily="18" charset="-127"/>
-              <a:ea typeface="HY헤드라인M" panose="02030600000101010101" pitchFamily="18" charset="-127"/>
-            </a:endParaRPr>
-          </a:p>
-        </p:txBody>
-      </p:sp>
-      <p:sp>
-        <p:nvSpPr>
           <p:cNvPr id="78" name="TextBox 77"/>
           <p:cNvSpPr txBox="1"/>
           <p:nvPr/>
@@ -6388,6 +6736,85 @@
           </a:extLst>
         </p:spPr>
       </p:pic>
+      <p:sp>
+        <p:nvSpPr>
+          <p:cNvPr id="27" name="TextBox 26"/>
+          <p:cNvSpPr txBox="1"/>
+          <p:nvPr/>
+        </p:nvSpPr>
+        <p:spPr>
+          <a:xfrm>
+            <a:off x="721659" y="5763127"/>
+            <a:ext cx="10047472" cy="584775"/>
+          </a:xfrm>
+          <a:prstGeom prst="rect">
+            <a:avLst/>
+          </a:prstGeom>
+          <a:noFill/>
+        </p:spPr>
+        <p:txBody>
+          <a:bodyPr wrap="square" rtlCol="0">
+            <a:spAutoFit/>
+          </a:bodyPr>
+          <a:lstStyle/>
+          <a:p>
+            <a:pPr algn="ctr"/>
+            <a:r>
+              <a:rPr lang="en-US" altLang="ko-KR" sz="3200" b="1" dirty="0" smtClean="0">
+                <a:effectLst>
+                  <a:outerShdw blurRad="38100" dist="38100" dir="2700000" algn="tl">
+                    <a:srgbClr val="000000">
+                      <a:alpha val="43137"/>
+                    </a:srgbClr>
+                  </a:outerShdw>
+                </a:effectLst>
+                <a:latin typeface="Adobe 고딕 Std B" panose="020B0800000000000000" pitchFamily="34" charset="-127"/>
+                <a:ea typeface="Adobe 고딕 Std B" panose="020B0800000000000000" pitchFamily="34" charset="-127"/>
+              </a:rPr>
+              <a:t>10</a:t>
+            </a:r>
+            <a:r>
+              <a:rPr lang="ko-KR" altLang="en-US" sz="3200" b="1" dirty="0" smtClean="0">
+                <a:effectLst>
+                  <a:outerShdw blurRad="38100" dist="38100" dir="2700000" algn="tl">
+                    <a:srgbClr val="000000">
+                      <a:alpha val="43137"/>
+                    </a:srgbClr>
+                  </a:outerShdw>
+                </a:effectLst>
+                <a:latin typeface="Adobe 고딕 Std B" panose="020B0800000000000000" pitchFamily="34" charset="-127"/>
+                <a:ea typeface="Adobe 고딕 Std B" panose="020B0800000000000000" pitchFamily="34" charset="-127"/>
+              </a:rPr>
+              <a:t>개의 숫자 중 뽑을 숫자를 선택해주세요</a:t>
+            </a:r>
+            <a:r>
+              <a:rPr lang="en-US" altLang="ko-KR" sz="3200" b="1" dirty="0" smtClean="0">
+                <a:effectLst>
+                  <a:outerShdw blurRad="38100" dist="38100" dir="2700000" algn="tl">
+                    <a:srgbClr val="000000">
+                      <a:alpha val="43137"/>
+                    </a:srgbClr>
+                  </a:outerShdw>
+                </a:effectLst>
+                <a:latin typeface="Adobe 고딕 Std B" panose="020B0800000000000000" pitchFamily="34" charset="-127"/>
+                <a:ea typeface="Adobe 고딕 Std B" panose="020B0800000000000000" pitchFamily="34" charset="-127"/>
+              </a:rPr>
+              <a:t> :</a:t>
+            </a:r>
+            <a:endParaRPr lang="ko-KR" altLang="en-US" sz="3200" b="1" dirty="0">
+              <a:effectLst>
+                <a:outerShdw blurRad="38100" dist="38100" dir="2700000" algn="tl">
+                  <a:srgbClr val="000000">
+                    <a:alpha val="43137"/>
+                  </a:srgbClr>
+                </a:outerShdw>
+              </a:effectLst>
+              <a:latin typeface="Adobe 고딕 Std B" panose="020B0800000000000000" pitchFamily="34" charset="-127"/>
+              <a:ea typeface="Adobe 고딕 Std B" panose="020B0800000000000000" pitchFamily="34" charset="-127"/>
+            </a:endParaRPr>
+          </a:p>
+        </p:txBody>
+      </p:sp>
     </p:spTree>
     <p:extLst>
       <p:ext uri="{BB962C8B-B14F-4D97-AF65-F5344CB8AC3E}">
@@ -6589,7 +7016,7 @@
 </p:sld>
 </file>
 
-<file path=ppt/slides/slide13.xml><?xml version="1.0" encoding="utf-8"?>
+<file path=ppt/slides/slide14.xml><?xml version="1.0" encoding="utf-8"?>
 <p:sld xmlns:a="http://schemas.openxmlformats.org/drawingml/2006/main" xmlns:r="http://schemas.openxmlformats.org/officeDocument/2006/relationships" xmlns:p="http://schemas.openxmlformats.org/presentationml/2006/main">
   <p:cSld>
     <p:spTree>
@@ -7097,7 +7524,7 @@
 </p:sld>
 </file>
 
-<file path=ppt/slides/slide14.xml><?xml version="1.0" encoding="utf-8"?>
+<file path=ppt/slides/slide15.xml><?xml version="1.0" encoding="utf-8"?>
 <p:sld xmlns:a="http://schemas.openxmlformats.org/drawingml/2006/main" xmlns:r="http://schemas.openxmlformats.org/officeDocument/2006/relationships" xmlns:p="http://schemas.openxmlformats.org/presentationml/2006/main">
   <p:cSld>
     <p:spTree>
@@ -7163,7 +7590,7 @@
 </p:sld>
 </file>
 
-<file path=ppt/slides/slide15.xml><?xml version="1.0" encoding="utf-8"?>
+<file path=ppt/slides/slide16.xml><?xml version="1.0" encoding="utf-8"?>
 <p:sld xmlns:a="http://schemas.openxmlformats.org/drawingml/2006/main" xmlns:r="http://schemas.openxmlformats.org/officeDocument/2006/relationships" xmlns:p="http://schemas.openxmlformats.org/presentationml/2006/main">
   <p:cSld>
     <p:spTree>
@@ -7279,7 +7706,7 @@
 </p:sld>
 </file>
 
-<file path=ppt/slides/slide16.xml><?xml version="1.0" encoding="utf-8"?>
+<file path=ppt/slides/slide17.xml><?xml version="1.0" encoding="utf-8"?>
 <p:sld xmlns:a="http://schemas.openxmlformats.org/drawingml/2006/main" xmlns:r="http://schemas.openxmlformats.org/officeDocument/2006/relationships" xmlns:p="http://schemas.openxmlformats.org/presentationml/2006/main">
   <p:cSld>
     <p:spTree>
@@ -8015,85 +8442,6 @@
       </p:sp>
       <p:sp>
         <p:nvSpPr>
-          <p:cNvPr id="16" name="TextBox 15"/>
-          <p:cNvSpPr txBox="1"/>
-          <p:nvPr/>
-        </p:nvSpPr>
-        <p:spPr>
-          <a:xfrm>
-            <a:off x="721659" y="5763127"/>
-            <a:ext cx="10047472" cy="584775"/>
-          </a:xfrm>
-          <a:prstGeom prst="rect">
-            <a:avLst/>
-          </a:prstGeom>
-          <a:noFill/>
-        </p:spPr>
-        <p:txBody>
-          <a:bodyPr wrap="square" rtlCol="0">
-            <a:spAutoFit/>
-          </a:bodyPr>
-          <a:lstStyle/>
-          <a:p>
-            <a:pPr algn="ctr"/>
-            <a:r>
-              <a:rPr lang="en-US" altLang="ko-KR" sz="3200" b="1" dirty="0" smtClean="0">
-                <a:effectLst>
-                  <a:outerShdw blurRad="38100" dist="38100" dir="2700000" algn="tl">
-                    <a:srgbClr val="000000">
-                      <a:alpha val="43137"/>
-                    </a:srgbClr>
-                  </a:outerShdw>
-                </a:effectLst>
-                <a:latin typeface="HY헤드라인M" panose="02030600000101010101" pitchFamily="18" charset="-127"/>
-                <a:ea typeface="HY헤드라인M" panose="02030600000101010101" pitchFamily="18" charset="-127"/>
-              </a:rPr>
-              <a:t>10</a:t>
-            </a:r>
-            <a:r>
-              <a:rPr lang="ko-KR" altLang="en-US" sz="3200" b="1" dirty="0" smtClean="0">
-                <a:effectLst>
-                  <a:outerShdw blurRad="38100" dist="38100" dir="2700000" algn="tl">
-                    <a:srgbClr val="000000">
-                      <a:alpha val="43137"/>
-                    </a:srgbClr>
-                  </a:outerShdw>
-                </a:effectLst>
-                <a:latin typeface="HY헤드라인M" panose="02030600000101010101" pitchFamily="18" charset="-127"/>
-                <a:ea typeface="HY헤드라인M" panose="02030600000101010101" pitchFamily="18" charset="-127"/>
-              </a:rPr>
-              <a:t>개의 숫자 중 뽑을 숫자를 선택해주세요</a:t>
-            </a:r>
-            <a:r>
-              <a:rPr lang="en-US" altLang="ko-KR" sz="3200" b="1" dirty="0" smtClean="0">
-                <a:effectLst>
-                  <a:outerShdw blurRad="38100" dist="38100" dir="2700000" algn="tl">
-                    <a:srgbClr val="000000">
-                      <a:alpha val="43137"/>
-                    </a:srgbClr>
-                  </a:outerShdw>
-                </a:effectLst>
-                <a:latin typeface="HY헤드라인M" panose="02030600000101010101" pitchFamily="18" charset="-127"/>
-                <a:ea typeface="HY헤드라인M" panose="02030600000101010101" pitchFamily="18" charset="-127"/>
-              </a:rPr>
-              <a:t> :</a:t>
-            </a:r>
-            <a:endParaRPr lang="ko-KR" altLang="en-US" sz="3200" b="1" dirty="0">
-              <a:effectLst>
-                <a:outerShdw blurRad="38100" dist="38100" dir="2700000" algn="tl">
-                  <a:srgbClr val="000000">
-                    <a:alpha val="43137"/>
-                  </a:srgbClr>
-                </a:outerShdw>
-              </a:effectLst>
-              <a:latin typeface="HY헤드라인M" panose="02030600000101010101" pitchFamily="18" charset="-127"/>
-              <a:ea typeface="HY헤드라인M" panose="02030600000101010101" pitchFamily="18" charset="-127"/>
-            </a:endParaRPr>
-          </a:p>
-        </p:txBody>
-      </p:sp>
-      <p:sp>
-        <p:nvSpPr>
           <p:cNvPr id="78" name="TextBox 77"/>
           <p:cNvSpPr txBox="1"/>
           <p:nvPr/>
@@ -8676,6 +9024,85 @@
           </a:extLst>
         </p:spPr>
       </p:pic>
+      <p:sp>
+        <p:nvSpPr>
+          <p:cNvPr id="30" name="TextBox 29"/>
+          <p:cNvSpPr txBox="1"/>
+          <p:nvPr/>
+        </p:nvSpPr>
+        <p:spPr>
+          <a:xfrm>
+            <a:off x="721659" y="5763127"/>
+            <a:ext cx="10047472" cy="584775"/>
+          </a:xfrm>
+          <a:prstGeom prst="rect">
+            <a:avLst/>
+          </a:prstGeom>
+          <a:noFill/>
+        </p:spPr>
+        <p:txBody>
+          <a:bodyPr wrap="square" rtlCol="0">
+            <a:spAutoFit/>
+          </a:bodyPr>
+          <a:lstStyle/>
+          <a:p>
+            <a:pPr algn="ctr"/>
+            <a:r>
+              <a:rPr lang="en-US" altLang="ko-KR" sz="3200" b="1" dirty="0" smtClean="0">
+                <a:effectLst>
+                  <a:outerShdw blurRad="38100" dist="38100" dir="2700000" algn="tl">
+                    <a:srgbClr val="000000">
+                      <a:alpha val="43137"/>
+                    </a:srgbClr>
+                  </a:outerShdw>
+                </a:effectLst>
+                <a:latin typeface="Adobe 고딕 Std B" panose="020B0800000000000000" pitchFamily="34" charset="-127"/>
+                <a:ea typeface="Adobe 고딕 Std B" panose="020B0800000000000000" pitchFamily="34" charset="-127"/>
+              </a:rPr>
+              <a:t>10</a:t>
+            </a:r>
+            <a:r>
+              <a:rPr lang="ko-KR" altLang="en-US" sz="3200" b="1" dirty="0" smtClean="0">
+                <a:effectLst>
+                  <a:outerShdw blurRad="38100" dist="38100" dir="2700000" algn="tl">
+                    <a:srgbClr val="000000">
+                      <a:alpha val="43137"/>
+                    </a:srgbClr>
+                  </a:outerShdw>
+                </a:effectLst>
+                <a:latin typeface="Adobe 고딕 Std B" panose="020B0800000000000000" pitchFamily="34" charset="-127"/>
+                <a:ea typeface="Adobe 고딕 Std B" panose="020B0800000000000000" pitchFamily="34" charset="-127"/>
+              </a:rPr>
+              <a:t>개의 숫자 중 뽑을 숫자를 선택해주세요</a:t>
+            </a:r>
+            <a:r>
+              <a:rPr lang="en-US" altLang="ko-KR" sz="3200" b="1" dirty="0" smtClean="0">
+                <a:effectLst>
+                  <a:outerShdw blurRad="38100" dist="38100" dir="2700000" algn="tl">
+                    <a:srgbClr val="000000">
+                      <a:alpha val="43137"/>
+                    </a:srgbClr>
+                  </a:outerShdw>
+                </a:effectLst>
+                <a:latin typeface="Adobe 고딕 Std B" panose="020B0800000000000000" pitchFamily="34" charset="-127"/>
+                <a:ea typeface="Adobe 고딕 Std B" panose="020B0800000000000000" pitchFamily="34" charset="-127"/>
+              </a:rPr>
+              <a:t> :</a:t>
+            </a:r>
+            <a:endParaRPr lang="ko-KR" altLang="en-US" sz="3200" b="1" dirty="0">
+              <a:effectLst>
+                <a:outerShdw blurRad="38100" dist="38100" dir="2700000" algn="tl">
+                  <a:srgbClr val="000000">
+                    <a:alpha val="43137"/>
+                  </a:srgbClr>
+                </a:outerShdw>
+              </a:effectLst>
+              <a:latin typeface="Adobe 고딕 Std B" panose="020B0800000000000000" pitchFamily="34" charset="-127"/>
+              <a:ea typeface="Adobe 고딕 Std B" panose="020B0800000000000000" pitchFamily="34" charset="-127"/>
+            </a:endParaRPr>
+          </a:p>
+        </p:txBody>
+      </p:sp>
     </p:spTree>
     <p:extLst>
       <p:ext uri="{BB962C8B-B14F-4D97-AF65-F5344CB8AC3E}">
@@ -8908,7 +9335,7 @@
 </p:sld>
 </file>
 
-<file path=ppt/slides/slide17.xml><?xml version="1.0" encoding="utf-8"?>
+<file path=ppt/slides/slide18.xml><?xml version="1.0" encoding="utf-8"?>
 <p:sld xmlns:a="http://schemas.openxmlformats.org/drawingml/2006/main" xmlns:r="http://schemas.openxmlformats.org/officeDocument/2006/relationships" xmlns:p="http://schemas.openxmlformats.org/presentationml/2006/main">
   <p:cSld>
     <p:spTree>
@@ -9457,7 +9884,7 @@
 </p:sld>
 </file>
 
-<file path=ppt/slides/slide18.xml><?xml version="1.0" encoding="utf-8"?>
+<file path=ppt/slides/slide19.xml><?xml version="1.0" encoding="utf-8"?>
 <p:sld xmlns:a="http://schemas.openxmlformats.org/drawingml/2006/main" xmlns:r="http://schemas.openxmlformats.org/officeDocument/2006/relationships" xmlns:p="http://schemas.openxmlformats.org/presentationml/2006/main">
   <p:cSld>
     <p:spTree>
@@ -10139,85 +10566,6 @@
       </p:sp>
       <p:sp>
         <p:nvSpPr>
-          <p:cNvPr id="16" name="TextBox 15"/>
-          <p:cNvSpPr txBox="1"/>
-          <p:nvPr/>
-        </p:nvSpPr>
-        <p:spPr>
-          <a:xfrm>
-            <a:off x="721659" y="5763127"/>
-            <a:ext cx="10047472" cy="584775"/>
-          </a:xfrm>
-          <a:prstGeom prst="rect">
-            <a:avLst/>
-          </a:prstGeom>
-          <a:noFill/>
-        </p:spPr>
-        <p:txBody>
-          <a:bodyPr wrap="square" rtlCol="0">
-            <a:spAutoFit/>
-          </a:bodyPr>
-          <a:lstStyle/>
-          <a:p>
-            <a:pPr algn="ctr"/>
-            <a:r>
-              <a:rPr lang="en-US" altLang="ko-KR" sz="3200" b="1" dirty="0" smtClean="0">
-                <a:effectLst>
-                  <a:outerShdw blurRad="38100" dist="38100" dir="2700000" algn="tl">
-                    <a:srgbClr val="000000">
-                      <a:alpha val="43137"/>
-                    </a:srgbClr>
-                  </a:outerShdw>
-                </a:effectLst>
-                <a:latin typeface="HY헤드라인M" panose="02030600000101010101" pitchFamily="18" charset="-127"/>
-                <a:ea typeface="HY헤드라인M" panose="02030600000101010101" pitchFamily="18" charset="-127"/>
-              </a:rPr>
-              <a:t>10</a:t>
-            </a:r>
-            <a:r>
-              <a:rPr lang="ko-KR" altLang="en-US" sz="3200" b="1" dirty="0" smtClean="0">
-                <a:effectLst>
-                  <a:outerShdw blurRad="38100" dist="38100" dir="2700000" algn="tl">
-                    <a:srgbClr val="000000">
-                      <a:alpha val="43137"/>
-                    </a:srgbClr>
-                  </a:outerShdw>
-                </a:effectLst>
-                <a:latin typeface="HY헤드라인M" panose="02030600000101010101" pitchFamily="18" charset="-127"/>
-                <a:ea typeface="HY헤드라인M" panose="02030600000101010101" pitchFamily="18" charset="-127"/>
-              </a:rPr>
-              <a:t>개의 숫자 중 뽑을 숫자를 선택해주세요</a:t>
-            </a:r>
-            <a:r>
-              <a:rPr lang="en-US" altLang="ko-KR" sz="3200" b="1" dirty="0" smtClean="0">
-                <a:effectLst>
-                  <a:outerShdw blurRad="38100" dist="38100" dir="2700000" algn="tl">
-                    <a:srgbClr val="000000">
-                      <a:alpha val="43137"/>
-                    </a:srgbClr>
-                  </a:outerShdw>
-                </a:effectLst>
-                <a:latin typeface="HY헤드라인M" panose="02030600000101010101" pitchFamily="18" charset="-127"/>
-                <a:ea typeface="HY헤드라인M" panose="02030600000101010101" pitchFamily="18" charset="-127"/>
-              </a:rPr>
-              <a:t> :</a:t>
-            </a:r>
-            <a:endParaRPr lang="ko-KR" altLang="en-US" sz="3200" b="1" dirty="0">
-              <a:effectLst>
-                <a:outerShdw blurRad="38100" dist="38100" dir="2700000" algn="tl">
-                  <a:srgbClr val="000000">
-                    <a:alpha val="43137"/>
-                  </a:srgbClr>
-                </a:outerShdw>
-              </a:effectLst>
-              <a:latin typeface="HY헤드라인M" panose="02030600000101010101" pitchFamily="18" charset="-127"/>
-              <a:ea typeface="HY헤드라인M" panose="02030600000101010101" pitchFamily="18" charset="-127"/>
-            </a:endParaRPr>
-          </a:p>
-        </p:txBody>
-      </p:sp>
-      <p:sp>
-        <p:nvSpPr>
           <p:cNvPr id="78" name="TextBox 77"/>
           <p:cNvSpPr txBox="1"/>
           <p:nvPr/>
@@ -10759,6 +11107,85 @@
           </a:extLst>
         </p:spPr>
       </p:pic>
+      <p:sp>
+        <p:nvSpPr>
+          <p:cNvPr id="28" name="TextBox 27"/>
+          <p:cNvSpPr txBox="1"/>
+          <p:nvPr/>
+        </p:nvSpPr>
+        <p:spPr>
+          <a:xfrm>
+            <a:off x="721659" y="5763127"/>
+            <a:ext cx="10047472" cy="584775"/>
+          </a:xfrm>
+          <a:prstGeom prst="rect">
+            <a:avLst/>
+          </a:prstGeom>
+          <a:noFill/>
+        </p:spPr>
+        <p:txBody>
+          <a:bodyPr wrap="square" rtlCol="0">
+            <a:spAutoFit/>
+          </a:bodyPr>
+          <a:lstStyle/>
+          <a:p>
+            <a:pPr algn="ctr"/>
+            <a:r>
+              <a:rPr lang="en-US" altLang="ko-KR" sz="3200" b="1" dirty="0" smtClean="0">
+                <a:effectLst>
+                  <a:outerShdw blurRad="38100" dist="38100" dir="2700000" algn="tl">
+                    <a:srgbClr val="000000">
+                      <a:alpha val="43137"/>
+                    </a:srgbClr>
+                  </a:outerShdw>
+                </a:effectLst>
+                <a:latin typeface="Adobe 고딕 Std B" panose="020B0800000000000000" pitchFamily="34" charset="-127"/>
+                <a:ea typeface="Adobe 고딕 Std B" panose="020B0800000000000000" pitchFamily="34" charset="-127"/>
+              </a:rPr>
+              <a:t>10</a:t>
+            </a:r>
+            <a:r>
+              <a:rPr lang="ko-KR" altLang="en-US" sz="3200" b="1" dirty="0" smtClean="0">
+                <a:effectLst>
+                  <a:outerShdw blurRad="38100" dist="38100" dir="2700000" algn="tl">
+                    <a:srgbClr val="000000">
+                      <a:alpha val="43137"/>
+                    </a:srgbClr>
+                  </a:outerShdw>
+                </a:effectLst>
+                <a:latin typeface="Adobe 고딕 Std B" panose="020B0800000000000000" pitchFamily="34" charset="-127"/>
+                <a:ea typeface="Adobe 고딕 Std B" panose="020B0800000000000000" pitchFamily="34" charset="-127"/>
+              </a:rPr>
+              <a:t>개의 숫자 중 뽑을 숫자를 선택해주세요</a:t>
+            </a:r>
+            <a:r>
+              <a:rPr lang="en-US" altLang="ko-KR" sz="3200" b="1" dirty="0" smtClean="0">
+                <a:effectLst>
+                  <a:outerShdw blurRad="38100" dist="38100" dir="2700000" algn="tl">
+                    <a:srgbClr val="000000">
+                      <a:alpha val="43137"/>
+                    </a:srgbClr>
+                  </a:outerShdw>
+                </a:effectLst>
+                <a:latin typeface="Adobe 고딕 Std B" panose="020B0800000000000000" pitchFamily="34" charset="-127"/>
+                <a:ea typeface="Adobe 고딕 Std B" panose="020B0800000000000000" pitchFamily="34" charset="-127"/>
+              </a:rPr>
+              <a:t> :</a:t>
+            </a:r>
+            <a:endParaRPr lang="ko-KR" altLang="en-US" sz="3200" b="1" dirty="0">
+              <a:effectLst>
+                <a:outerShdw blurRad="38100" dist="38100" dir="2700000" algn="tl">
+                  <a:srgbClr val="000000">
+                    <a:alpha val="43137"/>
+                  </a:srgbClr>
+                </a:outerShdw>
+              </a:effectLst>
+              <a:latin typeface="Adobe 고딕 Std B" panose="020B0800000000000000" pitchFamily="34" charset="-127"/>
+              <a:ea typeface="Adobe 고딕 Std B" panose="020B0800000000000000" pitchFamily="34" charset="-127"/>
+            </a:endParaRPr>
+          </a:p>
+        </p:txBody>
+      </p:sp>
     </p:spTree>
     <p:extLst>
       <p:ext uri="{BB962C8B-B14F-4D97-AF65-F5344CB8AC3E}">
@@ -10991,7 +11418,95 @@
 </p:sld>
 </file>
 
-<file path=ppt/slides/slide19.xml><?xml version="1.0" encoding="utf-8"?>
+<file path=ppt/slides/slide2.xml><?xml version="1.0" encoding="utf-8"?>
+<p:sld xmlns:a="http://schemas.openxmlformats.org/drawingml/2006/main" xmlns:r="http://schemas.openxmlformats.org/officeDocument/2006/relationships" xmlns:p="http://schemas.openxmlformats.org/presentationml/2006/main">
+  <p:cSld>
+    <p:spTree>
+      <p:nvGrpSpPr>
+        <p:cNvPr id="1" name=""/>
+        <p:cNvGrpSpPr/>
+        <p:nvPr/>
+      </p:nvGrpSpPr>
+      <p:grpSpPr>
+        <a:xfrm>
+          <a:off x="0" y="0"/>
+          <a:ext cx="0" cy="0"/>
+          <a:chOff x="0" y="0"/>
+          <a:chExt cx="0" cy="0"/>
+        </a:xfrm>
+      </p:grpSpPr>
+      <p:sp>
+        <p:nvSpPr>
+          <p:cNvPr id="23" name="TextBox 22"/>
+          <p:cNvSpPr txBox="1"/>
+          <p:nvPr/>
+        </p:nvSpPr>
+        <p:spPr>
+          <a:xfrm>
+            <a:off x="1072264" y="2828836"/>
+            <a:ext cx="10047472" cy="1200329"/>
+          </a:xfrm>
+          <a:prstGeom prst="rect">
+            <a:avLst/>
+          </a:prstGeom>
+          <a:noFill/>
+        </p:spPr>
+        <p:txBody>
+          <a:bodyPr wrap="square" rtlCol="0">
+            <a:spAutoFit/>
+          </a:bodyPr>
+          <a:lstStyle/>
+          <a:p>
+            <a:pPr algn="ctr"/>
+            <a:r>
+              <a:rPr lang="ko-KR" altLang="en-US" sz="7200" b="1" dirty="0" smtClean="0">
+                <a:effectLst>
+                  <a:outerShdw blurRad="38100" dist="38100" dir="2700000" algn="tl">
+                    <a:srgbClr val="000000">
+                      <a:alpha val="43137"/>
+                    </a:srgbClr>
+                  </a:outerShdw>
+                </a:effectLst>
+                <a:latin typeface="Adobe 고딕 Std B" panose="020B0800000000000000" pitchFamily="34" charset="-127"/>
+                <a:ea typeface="Adobe 고딕 Std B" panose="020B0800000000000000" pitchFamily="34" charset="-127"/>
+              </a:rPr>
+              <a:t>준비 과정</a:t>
+            </a:r>
+            <a:endParaRPr lang="ko-KR" altLang="en-US" sz="7200" b="1" dirty="0">
+              <a:effectLst>
+                <a:outerShdw blurRad="38100" dist="38100" dir="2700000" algn="tl">
+                  <a:srgbClr val="000000">
+                    <a:alpha val="43137"/>
+                  </a:srgbClr>
+                </a:outerShdw>
+              </a:effectLst>
+              <a:latin typeface="Adobe 고딕 Std B" panose="020B0800000000000000" pitchFamily="34" charset="-127"/>
+              <a:ea typeface="Adobe 고딕 Std B" panose="020B0800000000000000" pitchFamily="34" charset="-127"/>
+            </a:endParaRPr>
+          </a:p>
+        </p:txBody>
+      </p:sp>
+    </p:spTree>
+    <p:extLst>
+      <p:ext uri="{BB962C8B-B14F-4D97-AF65-F5344CB8AC3E}">
+        <p14:creationId xmlns:p14="http://schemas.microsoft.com/office/powerpoint/2010/main" val="1540520419"/>
+      </p:ext>
+    </p:extLst>
+  </p:cSld>
+  <p:clrMapOvr>
+    <a:masterClrMapping/>
+  </p:clrMapOvr>
+  <p:timing>
+    <p:tnLst>
+      <p:par>
+        <p:cTn id="1" dur="indefinite" restart="never" nodeType="tmRoot"/>
+      </p:par>
+    </p:tnLst>
+  </p:timing>
+</p:sld>
+</file>
+
+<file path=ppt/slides/slide20.xml><?xml version="1.0" encoding="utf-8"?>
 <p:sld xmlns:a="http://schemas.openxmlformats.org/drawingml/2006/main" xmlns:r="http://schemas.openxmlformats.org/officeDocument/2006/relationships" xmlns:p="http://schemas.openxmlformats.org/presentationml/2006/main">
   <p:cSld>
     <p:spTree>
@@ -11581,95 +12096,7 @@
 </p:sld>
 </file>
 
-<file path=ppt/slides/slide2.xml><?xml version="1.0" encoding="utf-8"?>
-<p:sld xmlns:a="http://schemas.openxmlformats.org/drawingml/2006/main" xmlns:r="http://schemas.openxmlformats.org/officeDocument/2006/relationships" xmlns:p="http://schemas.openxmlformats.org/presentationml/2006/main">
-  <p:cSld>
-    <p:spTree>
-      <p:nvGrpSpPr>
-        <p:cNvPr id="1" name=""/>
-        <p:cNvGrpSpPr/>
-        <p:nvPr/>
-      </p:nvGrpSpPr>
-      <p:grpSpPr>
-        <a:xfrm>
-          <a:off x="0" y="0"/>
-          <a:ext cx="0" cy="0"/>
-          <a:chOff x="0" y="0"/>
-          <a:chExt cx="0" cy="0"/>
-        </a:xfrm>
-      </p:grpSpPr>
-      <p:sp>
-        <p:nvSpPr>
-          <p:cNvPr id="23" name="TextBox 22"/>
-          <p:cNvSpPr txBox="1"/>
-          <p:nvPr/>
-        </p:nvSpPr>
-        <p:spPr>
-          <a:xfrm>
-            <a:off x="1072264" y="2828836"/>
-            <a:ext cx="10047472" cy="1200329"/>
-          </a:xfrm>
-          <a:prstGeom prst="rect">
-            <a:avLst/>
-          </a:prstGeom>
-          <a:noFill/>
-        </p:spPr>
-        <p:txBody>
-          <a:bodyPr wrap="square" rtlCol="0">
-            <a:spAutoFit/>
-          </a:bodyPr>
-          <a:lstStyle/>
-          <a:p>
-            <a:pPr algn="ctr"/>
-            <a:r>
-              <a:rPr lang="ko-KR" altLang="en-US" sz="7200" b="1" dirty="0" smtClean="0">
-                <a:effectLst>
-                  <a:outerShdw blurRad="38100" dist="38100" dir="2700000" algn="tl">
-                    <a:srgbClr val="000000">
-                      <a:alpha val="43137"/>
-                    </a:srgbClr>
-                  </a:outerShdw>
-                </a:effectLst>
-                <a:latin typeface="Adobe 고딕 Std B" panose="020B0800000000000000" pitchFamily="34" charset="-127"/>
-                <a:ea typeface="Adobe 고딕 Std B" panose="020B0800000000000000" pitchFamily="34" charset="-127"/>
-              </a:rPr>
-              <a:t>준비 과정</a:t>
-            </a:r>
-            <a:endParaRPr lang="ko-KR" altLang="en-US" sz="7200" b="1" dirty="0">
-              <a:effectLst>
-                <a:outerShdw blurRad="38100" dist="38100" dir="2700000" algn="tl">
-                  <a:srgbClr val="000000">
-                    <a:alpha val="43137"/>
-                  </a:srgbClr>
-                </a:outerShdw>
-              </a:effectLst>
-              <a:latin typeface="Adobe 고딕 Std B" panose="020B0800000000000000" pitchFamily="34" charset="-127"/>
-              <a:ea typeface="Adobe 고딕 Std B" panose="020B0800000000000000" pitchFamily="34" charset="-127"/>
-            </a:endParaRPr>
-          </a:p>
-        </p:txBody>
-      </p:sp>
-    </p:spTree>
-    <p:extLst>
-      <p:ext uri="{BB962C8B-B14F-4D97-AF65-F5344CB8AC3E}">
-        <p14:creationId xmlns:p14="http://schemas.microsoft.com/office/powerpoint/2010/main" val="1540520419"/>
-      </p:ext>
-    </p:extLst>
-  </p:cSld>
-  <p:clrMapOvr>
-    <a:masterClrMapping/>
-  </p:clrMapOvr>
-  <p:timing>
-    <p:tnLst>
-      <p:par>
-        <p:cTn id="1" dur="indefinite" restart="never" nodeType="tmRoot"/>
-      </p:par>
-    </p:tnLst>
-  </p:timing>
-</p:sld>
-</file>
-
-<file path=ppt/slides/slide20.xml><?xml version="1.0" encoding="utf-8"?>
+<file path=ppt/slides/slide21.xml><?xml version="1.0" encoding="utf-8"?>
 <p:sld xmlns:a="http://schemas.openxmlformats.org/drawingml/2006/main" xmlns:r="http://schemas.openxmlformats.org/officeDocument/2006/relationships" xmlns:p="http://schemas.openxmlformats.org/presentationml/2006/main">
   <p:cSld>
     <p:spTree>
@@ -12375,8 +12802,8 @@
                     </a:srgbClr>
                   </a:outerShdw>
                 </a:effectLst>
-                <a:latin typeface="HY헤드라인M" panose="02030600000101010101" pitchFamily="18" charset="-127"/>
-                <a:ea typeface="HY헤드라인M" panose="02030600000101010101" pitchFamily="18" charset="-127"/>
+                <a:latin typeface="Adobe 고딕 Std B" panose="020B0800000000000000" pitchFamily="34" charset="-127"/>
+                <a:ea typeface="Adobe 고딕 Std B" panose="020B0800000000000000" pitchFamily="34" charset="-127"/>
               </a:rPr>
               <a:t>10</a:t>
             </a:r>
@@ -12389,8 +12816,8 @@
                     </a:srgbClr>
                   </a:outerShdw>
                 </a:effectLst>
-                <a:latin typeface="HY헤드라인M" panose="02030600000101010101" pitchFamily="18" charset="-127"/>
-                <a:ea typeface="HY헤드라인M" panose="02030600000101010101" pitchFamily="18" charset="-127"/>
+                <a:latin typeface="Adobe 고딕 Std B" panose="020B0800000000000000" pitchFamily="34" charset="-127"/>
+                <a:ea typeface="Adobe 고딕 Std B" panose="020B0800000000000000" pitchFamily="34" charset="-127"/>
               </a:rPr>
               <a:t>개의 숫자 중 뽑을 숫자를 선택해주세요</a:t>
             </a:r>
@@ -12403,8 +12830,8 @@
                     </a:srgbClr>
                   </a:outerShdw>
                 </a:effectLst>
-                <a:latin typeface="HY헤드라인M" panose="02030600000101010101" pitchFamily="18" charset="-127"/>
-                <a:ea typeface="HY헤드라인M" panose="02030600000101010101" pitchFamily="18" charset="-127"/>
+                <a:latin typeface="Adobe 고딕 Std B" panose="020B0800000000000000" pitchFamily="34" charset="-127"/>
+                <a:ea typeface="Adobe 고딕 Std B" panose="020B0800000000000000" pitchFamily="34" charset="-127"/>
               </a:rPr>
               <a:t> :</a:t>
             </a:r>
@@ -12416,8 +12843,8 @@
                   </a:srgbClr>
                 </a:outerShdw>
               </a:effectLst>
-              <a:latin typeface="HY헤드라인M" panose="02030600000101010101" pitchFamily="18" charset="-127"/>
-              <a:ea typeface="HY헤드라인M" panose="02030600000101010101" pitchFamily="18" charset="-127"/>
+              <a:latin typeface="Adobe 고딕 Std B" panose="020B0800000000000000" pitchFamily="34" charset="-127"/>
+              <a:ea typeface="Adobe 고딕 Std B" panose="020B0800000000000000" pitchFamily="34" charset="-127"/>
             </a:endParaRPr>
           </a:p>
         </p:txBody>
@@ -13238,7 +13665,7 @@
 </p:sld>
 </file>
 
-<file path=ppt/slides/slide21.xml><?xml version="1.0" encoding="utf-8"?>
+<file path=ppt/slides/slide22.xml><?xml version="1.0" encoding="utf-8"?>
 <p:sld xmlns:a="http://schemas.openxmlformats.org/drawingml/2006/main" xmlns:r="http://schemas.openxmlformats.org/officeDocument/2006/relationships" xmlns:p="http://schemas.openxmlformats.org/presentationml/2006/main">
   <p:cSld>
     <p:spTree>
@@ -13869,7 +14296,7 @@
 </p:sld>
 </file>
 
-<file path=ppt/slides/slide22.xml><?xml version="1.0" encoding="utf-8"?>
+<file path=ppt/slides/slide23.xml><?xml version="1.0" encoding="utf-8"?>
 <p:sld xmlns:a="http://schemas.openxmlformats.org/drawingml/2006/main" xmlns:r="http://schemas.openxmlformats.org/officeDocument/2006/relationships" xmlns:p="http://schemas.openxmlformats.org/presentationml/2006/main">
   <p:cSld>
     <p:spTree>
@@ -13935,7 +14362,7 @@
 </p:sld>
 </file>
 
-<file path=ppt/slides/slide23.xml><?xml version="1.0" encoding="utf-8"?>
+<file path=ppt/slides/slide24.xml><?xml version="1.0" encoding="utf-8"?>
 <p:sld xmlns:a="http://schemas.openxmlformats.org/drawingml/2006/main" xmlns:r="http://schemas.openxmlformats.org/officeDocument/2006/relationships" xmlns:p="http://schemas.openxmlformats.org/presentationml/2006/main">
   <p:cSld>
     <p:spTree>
@@ -14107,7 +14534,7 @@
 </p:sld>
 </file>
 
-<file path=ppt/slides/slide24.xml><?xml version="1.0" encoding="utf-8"?>
+<file path=ppt/slides/slide25.xml><?xml version="1.0" encoding="utf-8"?>
 <p:sld xmlns:a="http://schemas.openxmlformats.org/drawingml/2006/main" xmlns:r="http://schemas.openxmlformats.org/officeDocument/2006/relationships" xmlns:p="http://schemas.openxmlformats.org/presentationml/2006/main">
   <p:cSld>
     <p:spTree>
@@ -14223,7 +14650,7 @@
 </p:sld>
 </file>
 
-<file path=ppt/slides/slide25.xml><?xml version="1.0" encoding="utf-8"?>
+<file path=ppt/slides/slide26.xml><?xml version="1.0" encoding="utf-8"?>
 <p:sld xmlns:a="http://schemas.openxmlformats.org/drawingml/2006/main" xmlns:r="http://schemas.openxmlformats.org/officeDocument/2006/relationships" xmlns:p="http://schemas.openxmlformats.org/presentationml/2006/main">
   <p:cSld>
     <p:spTree>
@@ -14974,7 +15401,7 @@
 </p:sld>
 </file>
 
-<file path=ppt/slides/slide26.xml><?xml version="1.0" encoding="utf-8"?>
+<file path=ppt/slides/slide27.xml><?xml version="1.0" encoding="utf-8"?>
 <p:sld xmlns:a="http://schemas.openxmlformats.org/drawingml/2006/main" xmlns:r="http://schemas.openxmlformats.org/officeDocument/2006/relationships" xmlns:p="http://schemas.openxmlformats.org/presentationml/2006/main">
   <p:cSld>
     <p:spTree>
@@ -15062,7 +15489,7 @@
 </p:sld>
 </file>
 
-<file path=ppt/slides/slide27.xml><?xml version="1.0" encoding="utf-8"?>
+<file path=ppt/slides/slide28.xml><?xml version="1.0" encoding="utf-8"?>
 <p:sld xmlns:a="http://schemas.openxmlformats.org/drawingml/2006/main" xmlns:r="http://schemas.openxmlformats.org/officeDocument/2006/relationships" xmlns:p="http://schemas.openxmlformats.org/presentationml/2006/main">
   <p:cSld>
     <p:spTree>
@@ -15766,7 +16193,7 @@
 </p:sld>
 </file>
 
-<file path=ppt/slides/slide28.xml><?xml version="1.0" encoding="utf-8"?>
+<file path=ppt/slides/slide29.xml><?xml version="1.0" encoding="utf-8"?>
 <p:sld xmlns:a="http://schemas.openxmlformats.org/drawingml/2006/main" xmlns:r="http://schemas.openxmlformats.org/officeDocument/2006/relationships" xmlns:p="http://schemas.openxmlformats.org/presentationml/2006/main">
   <p:cSld>
     <p:spTree>
@@ -15854,7 +16281,267 @@
 </p:sld>
 </file>
 
-<file path=ppt/slides/slide29.xml><?xml version="1.0" encoding="utf-8"?>
+<file path=ppt/slides/slide3.xml><?xml version="1.0" encoding="utf-8"?>
+<p:sld xmlns:a="http://schemas.openxmlformats.org/drawingml/2006/main" xmlns:r="http://schemas.openxmlformats.org/officeDocument/2006/relationships" xmlns:p="http://schemas.openxmlformats.org/presentationml/2006/main">
+  <p:cSld>
+    <p:spTree>
+      <p:nvGrpSpPr>
+        <p:cNvPr id="1" name=""/>
+        <p:cNvGrpSpPr/>
+        <p:nvPr/>
+      </p:nvGrpSpPr>
+      <p:grpSpPr>
+        <a:xfrm>
+          <a:off x="0" y="0"/>
+          <a:ext cx="0" cy="0"/>
+          <a:chOff x="0" y="0"/>
+          <a:chExt cx="0" cy="0"/>
+        </a:xfrm>
+      </p:grpSpPr>
+      <p:sp>
+        <p:nvSpPr>
+          <p:cNvPr id="13" name="TextBox 12"/>
+          <p:cNvSpPr txBox="1"/>
+          <p:nvPr/>
+        </p:nvSpPr>
+        <p:spPr>
+          <a:xfrm>
+            <a:off x="361961" y="5698835"/>
+            <a:ext cx="5720422" cy="400110"/>
+          </a:xfrm>
+          <a:prstGeom prst="rect">
+            <a:avLst/>
+          </a:prstGeom>
+          <a:noFill/>
+        </p:spPr>
+        <p:txBody>
+          <a:bodyPr wrap="square" rtlCol="0">
+            <a:spAutoFit/>
+          </a:bodyPr>
+          <a:lstStyle/>
+          <a:p>
+            <a:pPr algn="ctr"/>
+            <a:r>
+              <a:rPr lang="ko-KR" altLang="en-US" sz="2000" b="1" dirty="0" smtClean="0">
+                <a:effectLst>
+                  <a:outerShdw blurRad="38100" dist="38100" dir="2700000" algn="tl">
+                    <a:srgbClr val="000000">
+                      <a:alpha val="43137"/>
+                    </a:srgbClr>
+                  </a:outerShdw>
+                </a:effectLst>
+                <a:latin typeface="Adobe 고딕 Std B" panose="020B0800000000000000" pitchFamily="34" charset="-127"/>
+                <a:ea typeface="Adobe 고딕 Std B" panose="020B0800000000000000" pitchFamily="34" charset="-127"/>
+              </a:rPr>
+              <a:t>첫 번째 플레이어가 뽑은 카드를 보관할 공간</a:t>
+            </a:r>
+            <a:endParaRPr lang="en-US" altLang="ko-KR" sz="2000" b="1" dirty="0" smtClean="0">
+              <a:effectLst>
+                <a:outerShdw blurRad="38100" dist="38100" dir="2700000" algn="tl">
+                  <a:srgbClr val="000000">
+                    <a:alpha val="43137"/>
+                  </a:srgbClr>
+                </a:outerShdw>
+              </a:effectLst>
+              <a:latin typeface="Adobe 고딕 Std B" panose="020B0800000000000000" pitchFamily="34" charset="-127"/>
+              <a:ea typeface="Adobe 고딕 Std B" panose="020B0800000000000000" pitchFamily="34" charset="-127"/>
+            </a:endParaRPr>
+          </a:p>
+        </p:txBody>
+      </p:sp>
+      <p:sp>
+        <p:nvSpPr>
+          <p:cNvPr id="14" name="TextBox 13"/>
+          <p:cNvSpPr txBox="1"/>
+          <p:nvPr/>
+        </p:nvSpPr>
+        <p:spPr>
+          <a:xfrm>
+            <a:off x="6109618" y="5698835"/>
+            <a:ext cx="5720422" cy="400110"/>
+          </a:xfrm>
+          <a:prstGeom prst="rect">
+            <a:avLst/>
+          </a:prstGeom>
+          <a:noFill/>
+        </p:spPr>
+        <p:txBody>
+          <a:bodyPr wrap="square" rtlCol="0">
+            <a:spAutoFit/>
+          </a:bodyPr>
+          <a:lstStyle/>
+          <a:p>
+            <a:pPr algn="ctr"/>
+            <a:r>
+              <a:rPr lang="ko-KR" altLang="en-US" sz="2000" b="1" dirty="0">
+                <a:effectLst>
+                  <a:outerShdw blurRad="38100" dist="38100" dir="2700000" algn="tl">
+                    <a:srgbClr val="000000">
+                      <a:alpha val="43137"/>
+                    </a:srgbClr>
+                  </a:outerShdw>
+                </a:effectLst>
+                <a:latin typeface="Adobe 고딕 Std B" panose="020B0800000000000000" pitchFamily="34" charset="-127"/>
+                <a:ea typeface="Adobe 고딕 Std B" panose="020B0800000000000000" pitchFamily="34" charset="-127"/>
+              </a:rPr>
+              <a:t>두</a:t>
+            </a:r>
+            <a:r>
+              <a:rPr lang="ko-KR" altLang="en-US" sz="2000" b="1" dirty="0" smtClean="0">
+                <a:effectLst>
+                  <a:outerShdw blurRad="38100" dist="38100" dir="2700000" algn="tl">
+                    <a:srgbClr val="000000">
+                      <a:alpha val="43137"/>
+                    </a:srgbClr>
+                  </a:outerShdw>
+                </a:effectLst>
+                <a:latin typeface="Adobe 고딕 Std B" panose="020B0800000000000000" pitchFamily="34" charset="-127"/>
+                <a:ea typeface="Adobe 고딕 Std B" panose="020B0800000000000000" pitchFamily="34" charset="-127"/>
+              </a:rPr>
+              <a:t> 번째 플레이어가 뽑은 카드를 보관할 공간</a:t>
+            </a:r>
+            <a:endParaRPr lang="en-US" altLang="ko-KR" sz="2000" b="1" dirty="0" smtClean="0">
+              <a:effectLst>
+                <a:outerShdw blurRad="38100" dist="38100" dir="2700000" algn="tl">
+                  <a:srgbClr val="000000">
+                    <a:alpha val="43137"/>
+                  </a:srgbClr>
+                </a:outerShdw>
+              </a:effectLst>
+              <a:latin typeface="Adobe 고딕 Std B" panose="020B0800000000000000" pitchFamily="34" charset="-127"/>
+              <a:ea typeface="Adobe 고딕 Std B" panose="020B0800000000000000" pitchFamily="34" charset="-127"/>
+            </a:endParaRPr>
+          </a:p>
+        </p:txBody>
+      </p:sp>
+      <p:grpSp>
+        <p:nvGrpSpPr>
+          <p:cNvPr id="17" name="그룹 16"/>
+          <p:cNvGrpSpPr/>
+          <p:nvPr/>
+        </p:nvGrpSpPr>
+        <p:grpSpPr>
+          <a:xfrm>
+            <a:off x="2036124" y="1497662"/>
+            <a:ext cx="8119753" cy="3862676"/>
+            <a:chOff x="2036124" y="1234113"/>
+            <a:chExt cx="8119753" cy="3862676"/>
+          </a:xfrm>
+        </p:grpSpPr>
+        <p:sp>
+          <p:nvSpPr>
+            <p:cNvPr id="15" name="직사각형 14"/>
+            <p:cNvSpPr/>
+            <p:nvPr/>
+          </p:nvSpPr>
+          <p:spPr>
+            <a:xfrm>
+              <a:off x="2036124" y="1234113"/>
+              <a:ext cx="2372096" cy="3862676"/>
+            </a:xfrm>
+            <a:prstGeom prst="rect">
+              <a:avLst/>
+            </a:prstGeom>
+            <a:noFill/>
+            <a:ln w="38100">
+              <a:solidFill>
+                <a:schemeClr val="tx1"/>
+              </a:solidFill>
+            </a:ln>
+          </p:spPr>
+          <p:style>
+            <a:lnRef idx="2">
+              <a:schemeClr val="accent1">
+                <a:shade val="50000"/>
+              </a:schemeClr>
+            </a:lnRef>
+            <a:fillRef idx="1">
+              <a:schemeClr val="accent1"/>
+            </a:fillRef>
+            <a:effectRef idx="0">
+              <a:schemeClr val="accent1"/>
+            </a:effectRef>
+            <a:fontRef idx="minor">
+              <a:schemeClr val="lt1"/>
+            </a:fontRef>
+          </p:style>
+          <p:txBody>
+            <a:bodyPr rtlCol="0" anchor="ctr"/>
+            <a:lstStyle/>
+            <a:p>
+              <a:pPr algn="ctr"/>
+              <a:endParaRPr lang="ko-KR" altLang="en-US"/>
+            </a:p>
+          </p:txBody>
+        </p:sp>
+        <p:sp>
+          <p:nvSpPr>
+            <p:cNvPr id="16" name="직사각형 15"/>
+            <p:cNvSpPr/>
+            <p:nvPr/>
+          </p:nvSpPr>
+          <p:spPr>
+            <a:xfrm>
+              <a:off x="7783781" y="1234113"/>
+              <a:ext cx="2372096" cy="3862676"/>
+            </a:xfrm>
+            <a:prstGeom prst="rect">
+              <a:avLst/>
+            </a:prstGeom>
+            <a:noFill/>
+            <a:ln w="38100">
+              <a:solidFill>
+                <a:schemeClr val="tx1"/>
+              </a:solidFill>
+            </a:ln>
+          </p:spPr>
+          <p:style>
+            <a:lnRef idx="2">
+              <a:schemeClr val="accent1">
+                <a:shade val="50000"/>
+              </a:schemeClr>
+            </a:lnRef>
+            <a:fillRef idx="1">
+              <a:schemeClr val="accent1"/>
+            </a:fillRef>
+            <a:effectRef idx="0">
+              <a:schemeClr val="accent1"/>
+            </a:effectRef>
+            <a:fontRef idx="minor">
+              <a:schemeClr val="lt1"/>
+            </a:fontRef>
+          </p:style>
+          <p:txBody>
+            <a:bodyPr rtlCol="0" anchor="ctr"/>
+            <a:lstStyle/>
+            <a:p>
+              <a:pPr algn="ctr"/>
+              <a:endParaRPr lang="ko-KR" altLang="en-US"/>
+            </a:p>
+          </p:txBody>
+        </p:sp>
+      </p:grpSp>
+    </p:spTree>
+    <p:extLst>
+      <p:ext uri="{BB962C8B-B14F-4D97-AF65-F5344CB8AC3E}">
+        <p14:creationId xmlns:p14="http://schemas.microsoft.com/office/powerpoint/2010/main" val="125947502"/>
+      </p:ext>
+    </p:extLst>
+  </p:cSld>
+  <p:clrMapOvr>
+    <a:masterClrMapping/>
+  </p:clrMapOvr>
+  <p:timing>
+    <p:tnLst>
+      <p:par>
+        <p:cTn id="1" dur="indefinite" restart="never" nodeType="tmRoot"/>
+      </p:par>
+    </p:tnLst>
+  </p:timing>
+</p:sld>
+</file>
+
+<file path=ppt/slides/slide30.xml><?xml version="1.0" encoding="utf-8"?>
 <p:sld xmlns:a="http://schemas.openxmlformats.org/drawingml/2006/main" xmlns:r="http://schemas.openxmlformats.org/officeDocument/2006/relationships" xmlns:p="http://schemas.openxmlformats.org/presentationml/2006/main">
   <p:cSld>
     <p:spTree>
@@ -16523,267 +17210,7 @@
 </p:sld>
 </file>
 
-<file path=ppt/slides/slide3.xml><?xml version="1.0" encoding="utf-8"?>
-<p:sld xmlns:a="http://schemas.openxmlformats.org/drawingml/2006/main" xmlns:r="http://schemas.openxmlformats.org/officeDocument/2006/relationships" xmlns:p="http://schemas.openxmlformats.org/presentationml/2006/main">
-  <p:cSld>
-    <p:spTree>
-      <p:nvGrpSpPr>
-        <p:cNvPr id="1" name=""/>
-        <p:cNvGrpSpPr/>
-        <p:nvPr/>
-      </p:nvGrpSpPr>
-      <p:grpSpPr>
-        <a:xfrm>
-          <a:off x="0" y="0"/>
-          <a:ext cx="0" cy="0"/>
-          <a:chOff x="0" y="0"/>
-          <a:chExt cx="0" cy="0"/>
-        </a:xfrm>
-      </p:grpSpPr>
-      <p:sp>
-        <p:nvSpPr>
-          <p:cNvPr id="13" name="TextBox 12"/>
-          <p:cNvSpPr txBox="1"/>
-          <p:nvPr/>
-        </p:nvSpPr>
-        <p:spPr>
-          <a:xfrm>
-            <a:off x="361961" y="5698835"/>
-            <a:ext cx="5720422" cy="400110"/>
-          </a:xfrm>
-          <a:prstGeom prst="rect">
-            <a:avLst/>
-          </a:prstGeom>
-          <a:noFill/>
-        </p:spPr>
-        <p:txBody>
-          <a:bodyPr wrap="square" rtlCol="0">
-            <a:spAutoFit/>
-          </a:bodyPr>
-          <a:lstStyle/>
-          <a:p>
-            <a:pPr algn="ctr"/>
-            <a:r>
-              <a:rPr lang="ko-KR" altLang="en-US" sz="2000" b="1" dirty="0" smtClean="0">
-                <a:effectLst>
-                  <a:outerShdw blurRad="38100" dist="38100" dir="2700000" algn="tl">
-                    <a:srgbClr val="000000">
-                      <a:alpha val="43137"/>
-                    </a:srgbClr>
-                  </a:outerShdw>
-                </a:effectLst>
-                <a:latin typeface="Adobe 고딕 Std B" panose="020B0800000000000000" pitchFamily="34" charset="-127"/>
-                <a:ea typeface="Adobe 고딕 Std B" panose="020B0800000000000000" pitchFamily="34" charset="-127"/>
-              </a:rPr>
-              <a:t>첫 번째 플레이어가 뽑은 카드를 보관할 공간</a:t>
-            </a:r>
-            <a:endParaRPr lang="en-US" altLang="ko-KR" sz="2000" b="1" dirty="0" smtClean="0">
-              <a:effectLst>
-                <a:outerShdw blurRad="38100" dist="38100" dir="2700000" algn="tl">
-                  <a:srgbClr val="000000">
-                    <a:alpha val="43137"/>
-                  </a:srgbClr>
-                </a:outerShdw>
-              </a:effectLst>
-              <a:latin typeface="Adobe 고딕 Std B" panose="020B0800000000000000" pitchFamily="34" charset="-127"/>
-              <a:ea typeface="Adobe 고딕 Std B" panose="020B0800000000000000" pitchFamily="34" charset="-127"/>
-            </a:endParaRPr>
-          </a:p>
-        </p:txBody>
-      </p:sp>
-      <p:sp>
-        <p:nvSpPr>
-          <p:cNvPr id="14" name="TextBox 13"/>
-          <p:cNvSpPr txBox="1"/>
-          <p:nvPr/>
-        </p:nvSpPr>
-        <p:spPr>
-          <a:xfrm>
-            <a:off x="6109618" y="5698835"/>
-            <a:ext cx="5720422" cy="400110"/>
-          </a:xfrm>
-          <a:prstGeom prst="rect">
-            <a:avLst/>
-          </a:prstGeom>
-          <a:noFill/>
-        </p:spPr>
-        <p:txBody>
-          <a:bodyPr wrap="square" rtlCol="0">
-            <a:spAutoFit/>
-          </a:bodyPr>
-          <a:lstStyle/>
-          <a:p>
-            <a:pPr algn="ctr"/>
-            <a:r>
-              <a:rPr lang="ko-KR" altLang="en-US" sz="2000" b="1" dirty="0">
-                <a:effectLst>
-                  <a:outerShdw blurRad="38100" dist="38100" dir="2700000" algn="tl">
-                    <a:srgbClr val="000000">
-                      <a:alpha val="43137"/>
-                    </a:srgbClr>
-                  </a:outerShdw>
-                </a:effectLst>
-                <a:latin typeface="Adobe 고딕 Std B" panose="020B0800000000000000" pitchFamily="34" charset="-127"/>
-                <a:ea typeface="Adobe 고딕 Std B" panose="020B0800000000000000" pitchFamily="34" charset="-127"/>
-              </a:rPr>
-              <a:t>두</a:t>
-            </a:r>
-            <a:r>
-              <a:rPr lang="ko-KR" altLang="en-US" sz="2000" b="1" dirty="0" smtClean="0">
-                <a:effectLst>
-                  <a:outerShdw blurRad="38100" dist="38100" dir="2700000" algn="tl">
-                    <a:srgbClr val="000000">
-                      <a:alpha val="43137"/>
-                    </a:srgbClr>
-                  </a:outerShdw>
-                </a:effectLst>
-                <a:latin typeface="Adobe 고딕 Std B" panose="020B0800000000000000" pitchFamily="34" charset="-127"/>
-                <a:ea typeface="Adobe 고딕 Std B" panose="020B0800000000000000" pitchFamily="34" charset="-127"/>
-              </a:rPr>
-              <a:t> 번째 플레이어가 뽑은 카드를 보관할 공간</a:t>
-            </a:r>
-            <a:endParaRPr lang="en-US" altLang="ko-KR" sz="2000" b="1" dirty="0" smtClean="0">
-              <a:effectLst>
-                <a:outerShdw blurRad="38100" dist="38100" dir="2700000" algn="tl">
-                  <a:srgbClr val="000000">
-                    <a:alpha val="43137"/>
-                  </a:srgbClr>
-                </a:outerShdw>
-              </a:effectLst>
-              <a:latin typeface="Adobe 고딕 Std B" panose="020B0800000000000000" pitchFamily="34" charset="-127"/>
-              <a:ea typeface="Adobe 고딕 Std B" panose="020B0800000000000000" pitchFamily="34" charset="-127"/>
-            </a:endParaRPr>
-          </a:p>
-        </p:txBody>
-      </p:sp>
-      <p:grpSp>
-        <p:nvGrpSpPr>
-          <p:cNvPr id="17" name="그룹 16"/>
-          <p:cNvGrpSpPr/>
-          <p:nvPr/>
-        </p:nvGrpSpPr>
-        <p:grpSpPr>
-          <a:xfrm>
-            <a:off x="2036124" y="1497662"/>
-            <a:ext cx="8119753" cy="3862676"/>
-            <a:chOff x="2036124" y="1234113"/>
-            <a:chExt cx="8119753" cy="3862676"/>
-          </a:xfrm>
-        </p:grpSpPr>
-        <p:sp>
-          <p:nvSpPr>
-            <p:cNvPr id="15" name="직사각형 14"/>
-            <p:cNvSpPr/>
-            <p:nvPr/>
-          </p:nvSpPr>
-          <p:spPr>
-            <a:xfrm>
-              <a:off x="2036124" y="1234113"/>
-              <a:ext cx="2372096" cy="3862676"/>
-            </a:xfrm>
-            <a:prstGeom prst="rect">
-              <a:avLst/>
-            </a:prstGeom>
-            <a:noFill/>
-            <a:ln w="38100">
-              <a:solidFill>
-                <a:schemeClr val="tx1"/>
-              </a:solidFill>
-            </a:ln>
-          </p:spPr>
-          <p:style>
-            <a:lnRef idx="2">
-              <a:schemeClr val="accent1">
-                <a:shade val="50000"/>
-              </a:schemeClr>
-            </a:lnRef>
-            <a:fillRef idx="1">
-              <a:schemeClr val="accent1"/>
-            </a:fillRef>
-            <a:effectRef idx="0">
-              <a:schemeClr val="accent1"/>
-            </a:effectRef>
-            <a:fontRef idx="minor">
-              <a:schemeClr val="lt1"/>
-            </a:fontRef>
-          </p:style>
-          <p:txBody>
-            <a:bodyPr rtlCol="0" anchor="ctr"/>
-            <a:lstStyle/>
-            <a:p>
-              <a:pPr algn="ctr"/>
-              <a:endParaRPr lang="ko-KR" altLang="en-US"/>
-            </a:p>
-          </p:txBody>
-        </p:sp>
-        <p:sp>
-          <p:nvSpPr>
-            <p:cNvPr id="16" name="직사각형 15"/>
-            <p:cNvSpPr/>
-            <p:nvPr/>
-          </p:nvSpPr>
-          <p:spPr>
-            <a:xfrm>
-              <a:off x="7783781" y="1234113"/>
-              <a:ext cx="2372096" cy="3862676"/>
-            </a:xfrm>
-            <a:prstGeom prst="rect">
-              <a:avLst/>
-            </a:prstGeom>
-            <a:noFill/>
-            <a:ln w="38100">
-              <a:solidFill>
-                <a:schemeClr val="tx1"/>
-              </a:solidFill>
-            </a:ln>
-          </p:spPr>
-          <p:style>
-            <a:lnRef idx="2">
-              <a:schemeClr val="accent1">
-                <a:shade val="50000"/>
-              </a:schemeClr>
-            </a:lnRef>
-            <a:fillRef idx="1">
-              <a:schemeClr val="accent1"/>
-            </a:fillRef>
-            <a:effectRef idx="0">
-              <a:schemeClr val="accent1"/>
-            </a:effectRef>
-            <a:fontRef idx="minor">
-              <a:schemeClr val="lt1"/>
-            </a:fontRef>
-          </p:style>
-          <p:txBody>
-            <a:bodyPr rtlCol="0" anchor="ctr"/>
-            <a:lstStyle/>
-            <a:p>
-              <a:pPr algn="ctr"/>
-              <a:endParaRPr lang="ko-KR" altLang="en-US"/>
-            </a:p>
-          </p:txBody>
-        </p:sp>
-      </p:grpSp>
-    </p:spTree>
-    <p:extLst>
-      <p:ext uri="{BB962C8B-B14F-4D97-AF65-F5344CB8AC3E}">
-        <p14:creationId xmlns:p14="http://schemas.microsoft.com/office/powerpoint/2010/main" val="125947502"/>
-      </p:ext>
-    </p:extLst>
-  </p:cSld>
-  <p:clrMapOvr>
-    <a:masterClrMapping/>
-  </p:clrMapOvr>
-  <p:timing>
-    <p:tnLst>
-      <p:par>
-        <p:cTn id="1" dur="indefinite" restart="never" nodeType="tmRoot"/>
-      </p:par>
-    </p:tnLst>
-  </p:timing>
-</p:sld>
-</file>
-
-<file path=ppt/slides/slide30.xml><?xml version="1.0" encoding="utf-8"?>
+<file path=ppt/slides/slide31.xml><?xml version="1.0" encoding="utf-8"?>
 <p:sld xmlns:a="http://schemas.openxmlformats.org/drawingml/2006/main" xmlns:r="http://schemas.openxmlformats.org/officeDocument/2006/relationships" xmlns:p="http://schemas.openxmlformats.org/presentationml/2006/main">
   <p:cSld>
     <p:spTree>
@@ -16871,7 +17298,7 @@
 </p:sld>
 </file>
 
-<file path=ppt/slides/slide31.xml><?xml version="1.0" encoding="utf-8"?>
+<file path=ppt/slides/slide32.xml><?xml version="1.0" encoding="utf-8"?>
 <p:sld xmlns:a="http://schemas.openxmlformats.org/drawingml/2006/main" xmlns:r="http://schemas.openxmlformats.org/officeDocument/2006/relationships" xmlns:p="http://schemas.openxmlformats.org/presentationml/2006/main">
   <p:cSld>
     <p:spTree>
@@ -16937,7 +17364,7 @@
 </p:sld>
 </file>
 
-<file path=ppt/slides/slide32.xml><?xml version="1.0" encoding="utf-8"?>
+<file path=ppt/slides/slide33.xml><?xml version="1.0" encoding="utf-8"?>
 <p:sld xmlns:a="http://schemas.openxmlformats.org/drawingml/2006/main" xmlns:r="http://schemas.openxmlformats.org/officeDocument/2006/relationships" xmlns:p="http://schemas.openxmlformats.org/presentationml/2006/main">
   <p:cSld>
     <p:spTree>
@@ -17053,7 +17480,7 @@
 </p:sld>
 </file>
 
-<file path=ppt/slides/slide33.xml><?xml version="1.0" encoding="utf-8"?>
+<file path=ppt/slides/slide34.xml><?xml version="1.0" encoding="utf-8"?>
 <p:sld xmlns:a="http://schemas.openxmlformats.org/drawingml/2006/main" xmlns:r="http://schemas.openxmlformats.org/officeDocument/2006/relationships" xmlns:p="http://schemas.openxmlformats.org/presentationml/2006/main">
   <p:cSld>
     <p:spTree>
@@ -17681,7 +18108,7 @@
 </p:sld>
 </file>
 
-<file path=ppt/slides/slide34.xml><?xml version="1.0" encoding="utf-8"?>
+<file path=ppt/slides/slide35.xml><?xml version="1.0" encoding="utf-8"?>
 <p:sld xmlns:a="http://schemas.openxmlformats.org/drawingml/2006/main" xmlns:r="http://schemas.openxmlformats.org/officeDocument/2006/relationships" xmlns:p="http://schemas.openxmlformats.org/presentationml/2006/main">
   <p:cSld>
     <p:spTree>
@@ -17783,7 +18210,7 @@
 </p:sld>
 </file>
 
-<file path=ppt/slides/slide35.xml><?xml version="1.0" encoding="utf-8"?>
+<file path=ppt/slides/slide36.xml><?xml version="1.0" encoding="utf-8"?>
 <p:sld xmlns:a="http://schemas.openxmlformats.org/drawingml/2006/main" xmlns:r="http://schemas.openxmlformats.org/officeDocument/2006/relationships" xmlns:p="http://schemas.openxmlformats.org/presentationml/2006/main">
   <p:cSld>
     <p:spTree>
@@ -18381,7 +18808,7 @@
 </p:sld>
 </file>
 
-<file path=ppt/slides/slide36.xml><?xml version="1.0" encoding="utf-8"?>
+<file path=ppt/slides/slide37.xml><?xml version="1.0" encoding="utf-8"?>
 <p:sld xmlns:a="http://schemas.openxmlformats.org/drawingml/2006/main" xmlns:r="http://schemas.openxmlformats.org/officeDocument/2006/relationships" xmlns:p="http://schemas.openxmlformats.org/presentationml/2006/main">
   <p:cSld>
     <p:spTree>
@@ -18483,7 +18910,7 @@
 </p:sld>
 </file>
 
-<file path=ppt/slides/slide37.xml><?xml version="1.0" encoding="utf-8"?>
+<file path=ppt/slides/slide38.xml><?xml version="1.0" encoding="utf-8"?>
 <p:sld xmlns:a="http://schemas.openxmlformats.org/drawingml/2006/main" xmlns:r="http://schemas.openxmlformats.org/officeDocument/2006/relationships" xmlns:p="http://schemas.openxmlformats.org/presentationml/2006/main">
   <p:cSld>
     <p:spTree>
@@ -19040,7 +19467,7 @@
 </p:sld>
 </file>
 
-<file path=ppt/slides/slide38.xml><?xml version="1.0" encoding="utf-8"?>
+<file path=ppt/slides/slide39.xml><?xml version="1.0" encoding="utf-8"?>
 <p:sld xmlns:a="http://schemas.openxmlformats.org/drawingml/2006/main" xmlns:r="http://schemas.openxmlformats.org/officeDocument/2006/relationships" xmlns:p="http://schemas.openxmlformats.org/presentationml/2006/main">
   <p:cSld>
     <p:spTree>
@@ -19126,72 +19553,6 @@
     <p:extLst>
       <p:ext uri="{BB962C8B-B14F-4D97-AF65-F5344CB8AC3E}">
         <p14:creationId xmlns:p14="http://schemas.microsoft.com/office/powerpoint/2010/main" val="422334999"/>
-      </p:ext>
-    </p:extLst>
-  </p:cSld>
-  <p:clrMapOvr>
-    <a:masterClrMapping/>
-  </p:clrMapOvr>
-  <p:timing>
-    <p:tnLst>
-      <p:par>
-        <p:cTn id="1" dur="indefinite" restart="never" nodeType="tmRoot"/>
-      </p:par>
-    </p:tnLst>
-  </p:timing>
-</p:sld>
-</file>
-
-<file path=ppt/slides/slide39.xml><?xml version="1.0" encoding="utf-8"?>
-<p:sld xmlns:a="http://schemas.openxmlformats.org/drawingml/2006/main" xmlns:r="http://schemas.openxmlformats.org/officeDocument/2006/relationships" xmlns:p="http://schemas.openxmlformats.org/presentationml/2006/main">
-  <p:cSld>
-    <p:spTree>
-      <p:nvGrpSpPr>
-        <p:cNvPr id="1" name=""/>
-        <p:cNvGrpSpPr/>
-        <p:nvPr/>
-      </p:nvGrpSpPr>
-      <p:grpSpPr>
-        <a:xfrm>
-          <a:off x="0" y="0"/>
-          <a:ext cx="0" cy="0"/>
-          <a:chOff x="0" y="0"/>
-          <a:chExt cx="0" cy="0"/>
-        </a:xfrm>
-      </p:grpSpPr>
-      <p:pic>
-        <p:nvPicPr>
-          <p:cNvPr id="4" name="그림 3"/>
-          <p:cNvPicPr>
-            <a:picLocks noChangeAspect="1"/>
-          </p:cNvPicPr>
-          <p:nvPr/>
-        </p:nvPicPr>
-        <p:blipFill>
-          <a:blip r:embed="rId2"/>
-          <a:stretch>
-            <a:fillRect/>
-          </a:stretch>
-        </p:blipFill>
-        <p:spPr>
-          <a:xfrm>
-            <a:off x="2433126" y="2447788"/>
-            <a:ext cx="7325747" cy="1962424"/>
-          </a:xfrm>
-          <a:prstGeom prst="rect">
-            <a:avLst/>
-          </a:prstGeom>
-          <a:ln w="38100">
-            <a:solidFill>
-              <a:schemeClr val="tx1"/>
-            </a:solidFill>
-          </a:ln>
-        </p:spPr>
-      </p:pic>
-    </p:spTree>
-    <p:extLst>
-      <p:ext uri="{BB962C8B-B14F-4D97-AF65-F5344CB8AC3E}">
-        <p14:creationId xmlns:p14="http://schemas.microsoft.com/office/powerpoint/2010/main" val="2926872482"/>
       </p:ext>
     </p:extLst>
   </p:cSld>
@@ -19341,9 +19702,9 @@
         <p:grpSpPr>
           <a:xfrm>
             <a:off x="4602048" y="827413"/>
-            <a:ext cx="2987905" cy="4465317"/>
+            <a:ext cx="2971279" cy="4481943"/>
             <a:chOff x="4528952" y="827413"/>
-            <a:chExt cx="2987905" cy="4465317"/>
+            <a:chExt cx="2971279" cy="4481943"/>
           </a:xfrm>
         </p:grpSpPr>
         <p:pic>
@@ -19861,7 +20222,7 @@
           </p:blipFill>
           <p:spPr bwMode="auto">
             <a:xfrm>
-              <a:off x="5144761" y="1430054"/>
+              <a:off x="5128135" y="1446680"/>
               <a:ext cx="2372096" cy="3862676"/>
             </a:xfrm>
             <a:prstGeom prst="rect">
@@ -20050,6 +20411,72 @@
 </file>
 
 <file path=ppt/slides/slide40.xml><?xml version="1.0" encoding="utf-8"?>
+<p:sld xmlns:a="http://schemas.openxmlformats.org/drawingml/2006/main" xmlns:r="http://schemas.openxmlformats.org/officeDocument/2006/relationships" xmlns:p="http://schemas.openxmlformats.org/presentationml/2006/main">
+  <p:cSld>
+    <p:spTree>
+      <p:nvGrpSpPr>
+        <p:cNvPr id="1" name=""/>
+        <p:cNvGrpSpPr/>
+        <p:nvPr/>
+      </p:nvGrpSpPr>
+      <p:grpSpPr>
+        <a:xfrm>
+          <a:off x="0" y="0"/>
+          <a:ext cx="0" cy="0"/>
+          <a:chOff x="0" y="0"/>
+          <a:chExt cx="0" cy="0"/>
+        </a:xfrm>
+      </p:grpSpPr>
+      <p:pic>
+        <p:nvPicPr>
+          <p:cNvPr id="4" name="그림 3"/>
+          <p:cNvPicPr>
+            <a:picLocks noChangeAspect="1"/>
+          </p:cNvPicPr>
+          <p:nvPr/>
+        </p:nvPicPr>
+        <p:blipFill>
+          <a:blip r:embed="rId2"/>
+          <a:stretch>
+            <a:fillRect/>
+          </a:stretch>
+        </p:blipFill>
+        <p:spPr>
+          <a:xfrm>
+            <a:off x="2433126" y="2447788"/>
+            <a:ext cx="7325747" cy="1962424"/>
+          </a:xfrm>
+          <a:prstGeom prst="rect">
+            <a:avLst/>
+          </a:prstGeom>
+          <a:ln w="38100">
+            <a:solidFill>
+              <a:schemeClr val="tx1"/>
+            </a:solidFill>
+          </a:ln>
+        </p:spPr>
+      </p:pic>
+    </p:spTree>
+    <p:extLst>
+      <p:ext uri="{BB962C8B-B14F-4D97-AF65-F5344CB8AC3E}">
+        <p14:creationId xmlns:p14="http://schemas.microsoft.com/office/powerpoint/2010/main" val="2926872482"/>
+      </p:ext>
+    </p:extLst>
+  </p:cSld>
+  <p:clrMapOvr>
+    <a:masterClrMapping/>
+  </p:clrMapOvr>
+  <p:timing>
+    <p:tnLst>
+      <p:par>
+        <p:cTn id="1" dur="indefinite" restart="never" nodeType="tmRoot"/>
+      </p:par>
+    </p:tnLst>
+  </p:timing>
+</p:sld>
+</file>
+
+<file path=ppt/slides/slide41.xml><?xml version="1.0" encoding="utf-8"?>
 <p:sld xmlns:a="http://schemas.openxmlformats.org/drawingml/2006/main" xmlns:r="http://schemas.openxmlformats.org/officeDocument/2006/relationships" xmlns:p="http://schemas.openxmlformats.org/presentationml/2006/main">
   <p:cSld>
     <p:spTree>
@@ -20632,7 +21059,7 @@
 </p:sld>
 </file>
 
-<file path=ppt/slides/slide41.xml><?xml version="1.0" encoding="utf-8"?>
+<file path=ppt/slides/slide42.xml><?xml version="1.0" encoding="utf-8"?>
 <p:sld xmlns:a="http://schemas.openxmlformats.org/drawingml/2006/main" xmlns:r="http://schemas.openxmlformats.org/officeDocument/2006/relationships" xmlns:p="http://schemas.openxmlformats.org/presentationml/2006/main">
   <p:cSld>
     <p:spTree>
@@ -20698,7 +21125,7 @@
 </p:sld>
 </file>
 
-<file path=ppt/slides/slide42.xml><?xml version="1.0" encoding="utf-8"?>
+<file path=ppt/slides/slide43.xml><?xml version="1.0" encoding="utf-8"?>
 <p:sld xmlns:a="http://schemas.openxmlformats.org/drawingml/2006/main" xmlns:r="http://schemas.openxmlformats.org/officeDocument/2006/relationships" xmlns:p="http://schemas.openxmlformats.org/presentationml/2006/main">
   <p:cSld>
     <p:spTree>
@@ -21968,21 +22395,22 @@
       </p:grpSpPr>
       <p:pic>
         <p:nvPicPr>
-          <p:cNvPr id="4" name="그림 3"/>
+          <p:cNvPr id="2" name="그림 1"/>
           <p:cNvPicPr>
             <a:picLocks noChangeAspect="1"/>
           </p:cNvPicPr>
           <p:nvPr/>
         </p:nvPicPr>
-        <p:blipFill rotWithShape="1">
+        <p:blipFill>
           <a:blip r:embed="rId2"/>
-          <a:srcRect l="749" t="22868" r="4449" b="7983"/>
-          <a:stretch/>
+          <a:stretch>
+            <a:fillRect/>
+          </a:stretch>
         </p:blipFill>
         <p:spPr>
           <a:xfrm>
-            <a:off x="1593980" y="1782147"/>
-            <a:ext cx="9004041" cy="3293706"/>
+            <a:off x="1504309" y="128127"/>
+            <a:ext cx="9183382" cy="6601746"/>
           </a:xfrm>
           <a:prstGeom prst="rect">
             <a:avLst/>
@@ -22015,6 +22443,71 @@
 </file>
 
 <file path=ppt/slides/slide7.xml><?xml version="1.0" encoding="utf-8"?>
+<p:sld xmlns:a="http://schemas.openxmlformats.org/drawingml/2006/main" xmlns:r="http://schemas.openxmlformats.org/officeDocument/2006/relationships" xmlns:p="http://schemas.openxmlformats.org/presentationml/2006/main">
+  <p:cSld>
+    <p:spTree>
+      <p:nvGrpSpPr>
+        <p:cNvPr id="1" name=""/>
+        <p:cNvGrpSpPr/>
+        <p:nvPr/>
+      </p:nvGrpSpPr>
+      <p:grpSpPr>
+        <a:xfrm>
+          <a:off x="0" y="0"/>
+          <a:ext cx="0" cy="0"/>
+          <a:chOff x="0" y="0"/>
+          <a:chExt cx="0" cy="0"/>
+        </a:xfrm>
+      </p:grpSpPr>
+      <p:pic>
+        <p:nvPicPr>
+          <p:cNvPr id="4" name="그림 3"/>
+          <p:cNvPicPr>
+            <a:picLocks noChangeAspect="1"/>
+          </p:cNvPicPr>
+          <p:nvPr/>
+        </p:nvPicPr>
+        <p:blipFill rotWithShape="1">
+          <a:blip r:embed="rId2"/>
+          <a:srcRect l="749" t="22868" r="4449" b="7983"/>
+          <a:stretch/>
+        </p:blipFill>
+        <p:spPr>
+          <a:xfrm>
+            <a:off x="1593980" y="1782147"/>
+            <a:ext cx="9004041" cy="3293706"/>
+          </a:xfrm>
+          <a:prstGeom prst="rect">
+            <a:avLst/>
+          </a:prstGeom>
+          <a:ln w="38100">
+            <a:solidFill>
+              <a:schemeClr val="tx1"/>
+            </a:solidFill>
+          </a:ln>
+        </p:spPr>
+      </p:pic>
+    </p:spTree>
+    <p:extLst>
+      <p:ext uri="{BB962C8B-B14F-4D97-AF65-F5344CB8AC3E}">
+        <p14:creationId xmlns:p14="http://schemas.microsoft.com/office/powerpoint/2010/main" val="1957996697"/>
+      </p:ext>
+    </p:extLst>
+  </p:cSld>
+  <p:clrMapOvr>
+    <a:masterClrMapping/>
+  </p:clrMapOvr>
+  <p:timing>
+    <p:tnLst>
+      <p:par>
+        <p:cTn id="1" dur="indefinite" restart="never" nodeType="tmRoot"/>
+      </p:par>
+    </p:tnLst>
+  </p:timing>
+</p:sld>
+</file>
+
+<file path=ppt/slides/slide8.xml><?xml version="1.0" encoding="utf-8"?>
 <p:sld xmlns:a="http://schemas.openxmlformats.org/drawingml/2006/main" xmlns:r="http://schemas.openxmlformats.org/officeDocument/2006/relationships" xmlns:p="http://schemas.openxmlformats.org/presentationml/2006/main">
   <p:cSld>
     <p:spTree>
@@ -22130,7 +22623,7 @@
 </p:sld>
 </file>
 
-<file path=ppt/slides/slide8.xml><?xml version="1.0" encoding="utf-8"?>
+<file path=ppt/slides/slide9.xml><?xml version="1.0" encoding="utf-8"?>
 <p:sld xmlns:a="http://schemas.openxmlformats.org/drawingml/2006/main" xmlns:r="http://schemas.openxmlformats.org/officeDocument/2006/relationships" xmlns:p="http://schemas.openxmlformats.org/presentationml/2006/main">
   <p:cSld>
     <p:spTree>
@@ -22866,85 +23359,6 @@
       </p:sp>
       <p:sp>
         <p:nvSpPr>
-          <p:cNvPr id="16" name="TextBox 15"/>
-          <p:cNvSpPr txBox="1"/>
-          <p:nvPr/>
-        </p:nvSpPr>
-        <p:spPr>
-          <a:xfrm>
-            <a:off x="721659" y="5763127"/>
-            <a:ext cx="10047472" cy="584775"/>
-          </a:xfrm>
-          <a:prstGeom prst="rect">
-            <a:avLst/>
-          </a:prstGeom>
-          <a:noFill/>
-        </p:spPr>
-        <p:txBody>
-          <a:bodyPr wrap="square" rtlCol="0">
-            <a:spAutoFit/>
-          </a:bodyPr>
-          <a:lstStyle/>
-          <a:p>
-            <a:pPr algn="ctr"/>
-            <a:r>
-              <a:rPr lang="en-US" altLang="ko-KR" sz="3200" b="1" dirty="0" smtClean="0">
-                <a:effectLst>
-                  <a:outerShdw blurRad="38100" dist="38100" dir="2700000" algn="tl">
-                    <a:srgbClr val="000000">
-                      <a:alpha val="43137"/>
-                    </a:srgbClr>
-                  </a:outerShdw>
-                </a:effectLst>
-                <a:latin typeface="HY헤드라인M" panose="02030600000101010101" pitchFamily="18" charset="-127"/>
-                <a:ea typeface="HY헤드라인M" panose="02030600000101010101" pitchFamily="18" charset="-127"/>
-              </a:rPr>
-              <a:t>10</a:t>
-            </a:r>
-            <a:r>
-              <a:rPr lang="ko-KR" altLang="en-US" sz="3200" b="1" dirty="0" smtClean="0">
-                <a:effectLst>
-                  <a:outerShdw blurRad="38100" dist="38100" dir="2700000" algn="tl">
-                    <a:srgbClr val="000000">
-                      <a:alpha val="43137"/>
-                    </a:srgbClr>
-                  </a:outerShdw>
-                </a:effectLst>
-                <a:latin typeface="HY헤드라인M" panose="02030600000101010101" pitchFamily="18" charset="-127"/>
-                <a:ea typeface="HY헤드라인M" panose="02030600000101010101" pitchFamily="18" charset="-127"/>
-              </a:rPr>
-              <a:t>개의 숫자 중 뽑을 숫자를 선택해주세요</a:t>
-            </a:r>
-            <a:r>
-              <a:rPr lang="en-US" altLang="ko-KR" sz="3200" b="1" dirty="0" smtClean="0">
-                <a:effectLst>
-                  <a:outerShdw blurRad="38100" dist="38100" dir="2700000" algn="tl">
-                    <a:srgbClr val="000000">
-                      <a:alpha val="43137"/>
-                    </a:srgbClr>
-                  </a:outerShdw>
-                </a:effectLst>
-                <a:latin typeface="HY헤드라인M" panose="02030600000101010101" pitchFamily="18" charset="-127"/>
-                <a:ea typeface="HY헤드라인M" panose="02030600000101010101" pitchFamily="18" charset="-127"/>
-              </a:rPr>
-              <a:t> :</a:t>
-            </a:r>
-            <a:endParaRPr lang="ko-KR" altLang="en-US" sz="3200" b="1" dirty="0">
-              <a:effectLst>
-                <a:outerShdw blurRad="38100" dist="38100" dir="2700000" algn="tl">
-                  <a:srgbClr val="000000">
-                    <a:alpha val="43137"/>
-                  </a:srgbClr>
-                </a:outerShdw>
-              </a:effectLst>
-              <a:latin typeface="HY헤드라인M" panose="02030600000101010101" pitchFamily="18" charset="-127"/>
-              <a:ea typeface="HY헤드라인M" panose="02030600000101010101" pitchFamily="18" charset="-127"/>
-            </a:endParaRPr>
-          </a:p>
-        </p:txBody>
-      </p:sp>
-      <p:sp>
-        <p:nvSpPr>
           <p:cNvPr id="78" name="TextBox 77"/>
           <p:cNvSpPr txBox="1"/>
           <p:nvPr/>
@@ -23527,6 +23941,85 @@
           </a:extLst>
         </p:spPr>
       </p:pic>
+      <p:sp>
+        <p:nvSpPr>
+          <p:cNvPr id="30" name="TextBox 29"/>
+          <p:cNvSpPr txBox="1"/>
+          <p:nvPr/>
+        </p:nvSpPr>
+        <p:spPr>
+          <a:xfrm>
+            <a:off x="721659" y="5763127"/>
+            <a:ext cx="10047472" cy="584775"/>
+          </a:xfrm>
+          <a:prstGeom prst="rect">
+            <a:avLst/>
+          </a:prstGeom>
+          <a:noFill/>
+        </p:spPr>
+        <p:txBody>
+          <a:bodyPr wrap="square" rtlCol="0">
+            <a:spAutoFit/>
+          </a:bodyPr>
+          <a:lstStyle/>
+          <a:p>
+            <a:pPr algn="ctr"/>
+            <a:r>
+              <a:rPr lang="en-US" altLang="ko-KR" sz="3200" b="1" dirty="0" smtClean="0">
+                <a:effectLst>
+                  <a:outerShdw blurRad="38100" dist="38100" dir="2700000" algn="tl">
+                    <a:srgbClr val="000000">
+                      <a:alpha val="43137"/>
+                    </a:srgbClr>
+                  </a:outerShdw>
+                </a:effectLst>
+                <a:latin typeface="Adobe 고딕 Std B" panose="020B0800000000000000" pitchFamily="34" charset="-127"/>
+                <a:ea typeface="Adobe 고딕 Std B" panose="020B0800000000000000" pitchFamily="34" charset="-127"/>
+              </a:rPr>
+              <a:t>10</a:t>
+            </a:r>
+            <a:r>
+              <a:rPr lang="ko-KR" altLang="en-US" sz="3200" b="1" dirty="0" smtClean="0">
+                <a:effectLst>
+                  <a:outerShdw blurRad="38100" dist="38100" dir="2700000" algn="tl">
+                    <a:srgbClr val="000000">
+                      <a:alpha val="43137"/>
+                    </a:srgbClr>
+                  </a:outerShdw>
+                </a:effectLst>
+                <a:latin typeface="Adobe 고딕 Std B" panose="020B0800000000000000" pitchFamily="34" charset="-127"/>
+                <a:ea typeface="Adobe 고딕 Std B" panose="020B0800000000000000" pitchFamily="34" charset="-127"/>
+              </a:rPr>
+              <a:t>개의 숫자 중 뽑을 숫자를 선택해주세요</a:t>
+            </a:r>
+            <a:r>
+              <a:rPr lang="en-US" altLang="ko-KR" sz="3200" b="1" dirty="0" smtClean="0">
+                <a:effectLst>
+                  <a:outerShdw blurRad="38100" dist="38100" dir="2700000" algn="tl">
+                    <a:srgbClr val="000000">
+                      <a:alpha val="43137"/>
+                    </a:srgbClr>
+                  </a:outerShdw>
+                </a:effectLst>
+                <a:latin typeface="Adobe 고딕 Std B" panose="020B0800000000000000" pitchFamily="34" charset="-127"/>
+                <a:ea typeface="Adobe 고딕 Std B" panose="020B0800000000000000" pitchFamily="34" charset="-127"/>
+              </a:rPr>
+              <a:t> :</a:t>
+            </a:r>
+            <a:endParaRPr lang="ko-KR" altLang="en-US" sz="3200" b="1" dirty="0">
+              <a:effectLst>
+                <a:outerShdw blurRad="38100" dist="38100" dir="2700000" algn="tl">
+                  <a:srgbClr val="000000">
+                    <a:alpha val="43137"/>
+                  </a:srgbClr>
+                </a:outerShdw>
+              </a:effectLst>
+              <a:latin typeface="Adobe 고딕 Std B" panose="020B0800000000000000" pitchFamily="34" charset="-127"/>
+              <a:ea typeface="Adobe 고딕 Std B" panose="020B0800000000000000" pitchFamily="34" charset="-127"/>
+            </a:endParaRPr>
+          </a:p>
+        </p:txBody>
+      </p:sp>
     </p:spTree>
     <p:extLst>
       <p:ext uri="{BB962C8B-B14F-4D97-AF65-F5344CB8AC3E}">
@@ -23755,432 +24248,6 @@
     <p:bldLst>
       <p:bldP spid="78" grpId="0"/>
     </p:bldLst>
-  </p:timing>
-</p:sld>
-</file>
-
-<file path=ppt/slides/slide9.xml><?xml version="1.0" encoding="utf-8"?>
-<p:sld xmlns:a="http://schemas.openxmlformats.org/drawingml/2006/main" xmlns:r="http://schemas.openxmlformats.org/officeDocument/2006/relationships" xmlns:p="http://schemas.openxmlformats.org/presentationml/2006/main">
-  <p:cSld>
-    <p:spTree>
-      <p:nvGrpSpPr>
-        <p:cNvPr id="1" name=""/>
-        <p:cNvGrpSpPr/>
-        <p:nvPr/>
-      </p:nvGrpSpPr>
-      <p:grpSpPr>
-        <a:xfrm>
-          <a:off x="0" y="0"/>
-          <a:ext cx="0" cy="0"/>
-          <a:chOff x="0" y="0"/>
-          <a:chExt cx="0" cy="0"/>
-        </a:xfrm>
-      </p:grpSpPr>
-      <p:grpSp>
-        <p:nvGrpSpPr>
-          <p:cNvPr id="6" name="그룹 5"/>
-          <p:cNvGrpSpPr/>
-          <p:nvPr/>
-        </p:nvGrpSpPr>
-        <p:grpSpPr>
-          <a:xfrm>
-            <a:off x="2036124" y="1490618"/>
-            <a:ext cx="8119753" cy="3876765"/>
-            <a:chOff x="2036124" y="1227069"/>
-            <a:chExt cx="8119753" cy="3876765"/>
-          </a:xfrm>
-        </p:grpSpPr>
-        <p:sp>
-          <p:nvSpPr>
-            <p:cNvPr id="4" name="직사각형 3"/>
-            <p:cNvSpPr/>
-            <p:nvPr/>
-          </p:nvSpPr>
-          <p:spPr>
-            <a:xfrm>
-              <a:off x="2036124" y="1227069"/>
-              <a:ext cx="2372096" cy="3862676"/>
-            </a:xfrm>
-            <a:prstGeom prst="rect">
-              <a:avLst/>
-            </a:prstGeom>
-            <a:noFill/>
-            <a:ln w="38100">
-              <a:solidFill>
-                <a:schemeClr val="tx1"/>
-              </a:solidFill>
-            </a:ln>
-          </p:spPr>
-          <p:style>
-            <a:lnRef idx="2">
-              <a:schemeClr val="accent1">
-                <a:shade val="50000"/>
-              </a:schemeClr>
-            </a:lnRef>
-            <a:fillRef idx="1">
-              <a:schemeClr val="accent1"/>
-            </a:fillRef>
-            <a:effectRef idx="0">
-              <a:schemeClr val="accent1"/>
-            </a:effectRef>
-            <a:fontRef idx="minor">
-              <a:schemeClr val="lt1"/>
-            </a:fontRef>
-          </p:style>
-          <p:txBody>
-            <a:bodyPr rtlCol="0" anchor="ctr"/>
-            <a:lstStyle/>
-            <a:p>
-              <a:pPr algn="ctr"/>
-              <a:endParaRPr lang="ko-KR" altLang="en-US"/>
-            </a:p>
-          </p:txBody>
-        </p:sp>
-        <p:sp>
-          <p:nvSpPr>
-            <p:cNvPr id="5" name="직사각형 4"/>
-            <p:cNvSpPr/>
-            <p:nvPr/>
-          </p:nvSpPr>
-          <p:spPr>
-            <a:xfrm>
-              <a:off x="7783781" y="1241158"/>
-              <a:ext cx="2372096" cy="3862676"/>
-            </a:xfrm>
-            <a:prstGeom prst="rect">
-              <a:avLst/>
-            </a:prstGeom>
-            <a:noFill/>
-            <a:ln w="38100">
-              <a:solidFill>
-                <a:schemeClr val="tx1"/>
-              </a:solidFill>
-            </a:ln>
-          </p:spPr>
-          <p:style>
-            <a:lnRef idx="2">
-              <a:schemeClr val="accent1">
-                <a:shade val="50000"/>
-              </a:schemeClr>
-            </a:lnRef>
-            <a:fillRef idx="1">
-              <a:schemeClr val="accent1"/>
-            </a:fillRef>
-            <a:effectRef idx="0">
-              <a:schemeClr val="accent1"/>
-            </a:effectRef>
-            <a:fontRef idx="minor">
-              <a:schemeClr val="lt1"/>
-            </a:fontRef>
-          </p:style>
-          <p:txBody>
-            <a:bodyPr rtlCol="0" anchor="ctr"/>
-            <a:lstStyle/>
-            <a:p>
-              <a:pPr algn="ctr"/>
-              <a:endParaRPr lang="ko-KR" altLang="en-US"/>
-            </a:p>
-          </p:txBody>
-        </p:sp>
-      </p:grpSp>
-      <p:sp>
-        <p:nvSpPr>
-          <p:cNvPr id="7" name="TextBox 6"/>
-          <p:cNvSpPr txBox="1"/>
-          <p:nvPr/>
-        </p:nvSpPr>
-        <p:spPr>
-          <a:xfrm>
-            <a:off x="361961" y="5698835"/>
-            <a:ext cx="5720422" cy="400110"/>
-          </a:xfrm>
-          <a:prstGeom prst="rect">
-            <a:avLst/>
-          </a:prstGeom>
-          <a:noFill/>
-        </p:spPr>
-        <p:txBody>
-          <a:bodyPr wrap="square" rtlCol="0">
-            <a:spAutoFit/>
-          </a:bodyPr>
-          <a:lstStyle/>
-          <a:p>
-            <a:pPr algn="ctr"/>
-            <a:r>
-              <a:rPr lang="ko-KR" altLang="en-US" sz="2000" b="1" dirty="0" smtClean="0">
-                <a:effectLst>
-                  <a:outerShdw blurRad="38100" dist="38100" dir="2700000" algn="tl">
-                    <a:srgbClr val="000000">
-                      <a:alpha val="43137"/>
-                    </a:srgbClr>
-                  </a:outerShdw>
-                </a:effectLst>
-                <a:latin typeface="Adobe 고딕 Std B" panose="020B0800000000000000" pitchFamily="34" charset="-127"/>
-                <a:ea typeface="Adobe 고딕 Std B" panose="020B0800000000000000" pitchFamily="34" charset="-127"/>
-              </a:rPr>
-              <a:t>첫 번째 플레이어가 뽑은 카드를 보관할 공간</a:t>
-            </a:r>
-            <a:endParaRPr lang="en-US" altLang="ko-KR" sz="2000" b="1" dirty="0" smtClean="0">
-              <a:effectLst>
-                <a:outerShdw blurRad="38100" dist="38100" dir="2700000" algn="tl">
-                  <a:srgbClr val="000000">
-                    <a:alpha val="43137"/>
-                  </a:srgbClr>
-                </a:outerShdw>
-              </a:effectLst>
-              <a:latin typeface="Adobe 고딕 Std B" panose="020B0800000000000000" pitchFamily="34" charset="-127"/>
-              <a:ea typeface="Adobe 고딕 Std B" panose="020B0800000000000000" pitchFamily="34" charset="-127"/>
-            </a:endParaRPr>
-          </a:p>
-        </p:txBody>
-      </p:sp>
-      <p:sp>
-        <p:nvSpPr>
-          <p:cNvPr id="8" name="TextBox 7"/>
-          <p:cNvSpPr txBox="1"/>
-          <p:nvPr/>
-        </p:nvSpPr>
-        <p:spPr>
-          <a:xfrm>
-            <a:off x="6109618" y="5698835"/>
-            <a:ext cx="5720422" cy="400110"/>
-          </a:xfrm>
-          <a:prstGeom prst="rect">
-            <a:avLst/>
-          </a:prstGeom>
-          <a:noFill/>
-        </p:spPr>
-        <p:txBody>
-          <a:bodyPr wrap="square" rtlCol="0">
-            <a:spAutoFit/>
-          </a:bodyPr>
-          <a:lstStyle/>
-          <a:p>
-            <a:pPr algn="ctr"/>
-            <a:r>
-              <a:rPr lang="ko-KR" altLang="en-US" sz="2000" b="1" dirty="0">
-                <a:effectLst>
-                  <a:outerShdw blurRad="38100" dist="38100" dir="2700000" algn="tl">
-                    <a:srgbClr val="000000">
-                      <a:alpha val="43137"/>
-                    </a:srgbClr>
-                  </a:outerShdw>
-                </a:effectLst>
-                <a:latin typeface="Adobe 고딕 Std B" panose="020B0800000000000000" pitchFamily="34" charset="-127"/>
-                <a:ea typeface="Adobe 고딕 Std B" panose="020B0800000000000000" pitchFamily="34" charset="-127"/>
-              </a:rPr>
-              <a:t>두</a:t>
-            </a:r>
-            <a:r>
-              <a:rPr lang="ko-KR" altLang="en-US" sz="2000" b="1" dirty="0" smtClean="0">
-                <a:effectLst>
-                  <a:outerShdw blurRad="38100" dist="38100" dir="2700000" algn="tl">
-                    <a:srgbClr val="000000">
-                      <a:alpha val="43137"/>
-                    </a:srgbClr>
-                  </a:outerShdw>
-                </a:effectLst>
-                <a:latin typeface="Adobe 고딕 Std B" panose="020B0800000000000000" pitchFamily="34" charset="-127"/>
-                <a:ea typeface="Adobe 고딕 Std B" panose="020B0800000000000000" pitchFamily="34" charset="-127"/>
-              </a:rPr>
-              <a:t> 번째 플레이어가 뽑은 카드를 보관할 공간</a:t>
-            </a:r>
-            <a:endParaRPr lang="en-US" altLang="ko-KR" sz="2000" b="1" dirty="0" smtClean="0">
-              <a:effectLst>
-                <a:outerShdw blurRad="38100" dist="38100" dir="2700000" algn="tl">
-                  <a:srgbClr val="000000">
-                    <a:alpha val="43137"/>
-                  </a:srgbClr>
-                </a:outerShdw>
-              </a:effectLst>
-              <a:latin typeface="Adobe 고딕 Std B" panose="020B0800000000000000" pitchFamily="34" charset="-127"/>
-              <a:ea typeface="Adobe 고딕 Std B" panose="020B0800000000000000" pitchFamily="34" charset="-127"/>
-            </a:endParaRPr>
-          </a:p>
-        </p:txBody>
-      </p:sp>
-      <p:pic>
-        <p:nvPicPr>
-          <p:cNvPr id="9" name="Picture 4" descr="재생 카드 뒷면 62x90 Mm 로열티 무료 사진, 그림, 이미지 그리고 스톡포토그래피. Image 9317966"/>
-          <p:cNvPicPr>
-            <a:picLocks noChangeAspect="1" noChangeArrowheads="1"/>
-          </p:cNvPicPr>
-          <p:nvPr/>
-        </p:nvPicPr>
-        <p:blipFill>
-          <a:blip r:embed="rId2" cstate="print">
-            <a:extLst>
-              <a:ext uri="{28A0092B-C50C-407E-A947-70E740481C1C}">
-                <a14:useLocalDpi xmlns:a14="http://schemas.microsoft.com/office/drawing/2010/main" val="0"/>
-              </a:ext>
-            </a:extLst>
-          </a:blip>
-          <a:srcRect/>
-          <a:stretch>
-            <a:fillRect/>
-          </a:stretch>
-        </p:blipFill>
-        <p:spPr bwMode="auto">
-          <a:xfrm>
-            <a:off x="2036124" y="1490618"/>
-            <a:ext cx="2372096" cy="3862676"/>
-          </a:xfrm>
-          <a:prstGeom prst="rect">
-            <a:avLst/>
-          </a:prstGeom>
-          <a:noFill/>
-          <a:extLst>
-            <a:ext uri="{909E8E84-426E-40DD-AFC4-6F175D3DCCD1}">
-              <a14:hiddenFill xmlns:a14="http://schemas.microsoft.com/office/drawing/2010/main">
-                <a:solidFill>
-                  <a:srgbClr val="FFFFFF"/>
-                </a:solidFill>
-              </a14:hiddenFill>
-            </a:ext>
-          </a:extLst>
-        </p:spPr>
-      </p:pic>
-    </p:spTree>
-    <p:extLst>
-      <p:ext uri="{BB962C8B-B14F-4D97-AF65-F5344CB8AC3E}">
-        <p14:creationId xmlns:p14="http://schemas.microsoft.com/office/powerpoint/2010/main" val="4050016388"/>
-      </p:ext>
-    </p:extLst>
-  </p:cSld>
-  <p:clrMapOvr>
-    <a:masterClrMapping/>
-  </p:clrMapOvr>
-  <p:timing>
-    <p:tnLst>
-      <p:par>
-        <p:cTn id="1" dur="indefinite" restart="never" nodeType="tmRoot">
-          <p:childTnLst>
-            <p:seq concurrent="1" nextAc="seek">
-              <p:cTn id="2" dur="indefinite" nodeType="mainSeq">
-                <p:childTnLst>
-                  <p:par>
-                    <p:cTn id="3" fill="hold">
-                      <p:stCondLst>
-                        <p:cond delay="indefinite"/>
-                        <p:cond evt="onBegin" delay="0">
-                          <p:tn val="2"/>
-                        </p:cond>
-                      </p:stCondLst>
-                      <p:childTnLst>
-                        <p:par>
-                          <p:cTn id="4" fill="hold">
-                            <p:stCondLst>
-                              <p:cond delay="0"/>
-                            </p:stCondLst>
-                            <p:childTnLst>
-                              <p:par>
-                                <p:cTn id="5" presetID="42" presetClass="entr" presetSubtype="0" fill="hold" nodeType="afterEffect">
-                                  <p:stCondLst>
-                                    <p:cond delay="0"/>
-                                  </p:stCondLst>
-                                  <p:childTnLst>
-                                    <p:set>
-                                      <p:cBhvr>
-                                        <p:cTn id="6" dur="1" fill="hold">
-                                          <p:stCondLst>
-                                            <p:cond delay="0"/>
-                                          </p:stCondLst>
-                                        </p:cTn>
-                                        <p:tgtEl>
-                                          <p:spTgt spid="9"/>
-                                        </p:tgtEl>
-                                        <p:attrNameLst>
-                                          <p:attrName>style.visibility</p:attrName>
-                                        </p:attrNameLst>
-                                      </p:cBhvr>
-                                      <p:to>
-                                        <p:strVal val="visible"/>
-                                      </p:to>
-                                    </p:set>
-                                    <p:animEffect transition="in" filter="fade">
-                                      <p:cBhvr>
-                                        <p:cTn id="7" dur="1000"/>
-                                        <p:tgtEl>
-                                          <p:spTgt spid="9"/>
-                                        </p:tgtEl>
-                                      </p:cBhvr>
-                                    </p:animEffect>
-                                    <p:anim calcmode="lin" valueType="num">
-                                      <p:cBhvr>
-                                        <p:cTn id="8" dur="1000" fill="hold"/>
-                                        <p:tgtEl>
-                                          <p:spTgt spid="9"/>
-                                        </p:tgtEl>
-                                        <p:attrNameLst>
-                                          <p:attrName>ppt_x</p:attrName>
-                                        </p:attrNameLst>
-                                      </p:cBhvr>
-                                      <p:tavLst>
-                                        <p:tav tm="0">
-                                          <p:val>
-                                            <p:strVal val="#ppt_x"/>
-                                          </p:val>
-                                        </p:tav>
-                                        <p:tav tm="100000">
-                                          <p:val>
-                                            <p:strVal val="#ppt_x"/>
-                                          </p:val>
-                                        </p:tav>
-                                      </p:tavLst>
-                                    </p:anim>
-                                    <p:anim calcmode="lin" valueType="num">
-                                      <p:cBhvr>
-                                        <p:cTn id="9" dur="1000" fill="hold"/>
-                                        <p:tgtEl>
-                                          <p:spTgt spid="9"/>
-                                        </p:tgtEl>
-                                        <p:attrNameLst>
-                                          <p:attrName>ppt_y</p:attrName>
-                                        </p:attrNameLst>
-                                      </p:cBhvr>
-                                      <p:tavLst>
-                                        <p:tav tm="0">
-                                          <p:val>
-                                            <p:strVal val="#ppt_y+.1"/>
-                                          </p:val>
-                                        </p:tav>
-                                        <p:tav tm="100000">
-                                          <p:val>
-                                            <p:strVal val="#ppt_y"/>
-                                          </p:val>
-                                        </p:tav>
-                                      </p:tavLst>
-                                    </p:anim>
-                                  </p:childTnLst>
-                                </p:cTn>
-                              </p:par>
-                            </p:childTnLst>
-                          </p:cTn>
-                        </p:par>
-                      </p:childTnLst>
-                    </p:cTn>
-                  </p:par>
-                </p:childTnLst>
-              </p:cTn>
-              <p:prevCondLst>
-                <p:cond evt="onPrev" delay="0">
-                  <p:tgtEl>
-                    <p:sldTgt/>
-                  </p:tgtEl>
-                </p:cond>
-              </p:prevCondLst>
-              <p:nextCondLst>
-                <p:cond evt="onNext" delay="0">
-                  <p:tgtEl>
-                    <p:sldTgt/>
-                  </p:tgtEl>
-                </p:cond>
-              </p:nextCondLst>
-            </p:seq>
-          </p:childTnLst>
-        </p:cTn>
-      </p:par>
-    </p:tnLst>
   </p:timing>
 </p:sld>
 </file>
